--- a/01-Document/Preview.pptx
+++ b/01-Document/Preview.pptx
@@ -5,10 +5,10 @@
     <p:sldMasterId id="2147483648" r:id="rId1"/>
   </p:sldMasterIdLst>
   <p:notesMasterIdLst>
-    <p:notesMasterId r:id="rId8"/>
+    <p:notesMasterId r:id="rId11"/>
   </p:notesMasterIdLst>
   <p:handoutMasterIdLst>
-    <p:handoutMasterId r:id="rId9"/>
+    <p:handoutMasterId r:id="rId12"/>
   </p:handoutMasterIdLst>
   <p:sldIdLst>
     <p:sldId id="256" r:id="rId2"/>
@@ -16,7 +16,10 @@
     <p:sldId id="259" r:id="rId4"/>
     <p:sldId id="258" r:id="rId5"/>
     <p:sldId id="260" r:id="rId6"/>
-    <p:sldId id="261" r:id="rId7"/>
+    <p:sldId id="262" r:id="rId7"/>
+    <p:sldId id="263" r:id="rId8"/>
+    <p:sldId id="264" r:id="rId9"/>
+    <p:sldId id="261" r:id="rId10"/>
   </p:sldIdLst>
   <p:sldSz cx="9144000" cy="6858000" type="screen4x3"/>
   <p:notesSz cx="6858000" cy="9144000"/>
@@ -200,7 +203,7 @@
           <a:p>
             <a:fld id="{AE5CCC46-59A4-4653-869C-11D959945FD4}" type="datetimeFigureOut">
               <a:rPr lang="en-US" smtClean="0"/>
-              <a:t>8/10/2017</a:t>
+              <a:t>8/12/2017</a:t>
             </a:fld>
             <a:endParaRPr lang="en-US"/>
           </a:p>
@@ -365,7 +368,7 @@
           <a:p>
             <a:fld id="{6C92BCEE-162F-4F7A-B718-6C46A833144F}" type="datetimeFigureOut">
               <a:rPr lang="en-US" smtClean="0"/>
-              <a:t>8/10/2017</a:t>
+              <a:t>8/12/2017</a:t>
             </a:fld>
             <a:endParaRPr lang="en-US"/>
           </a:p>
@@ -898,7 +901,7 @@
           <a:p>
             <a:fld id="{DCDC5114-4CBE-432C-9917-E7FAEB2ADFB2}" type="datetimeFigureOut">
               <a:rPr lang="en-US" smtClean="0"/>
-              <a:t>8/10/2017</a:t>
+              <a:t>8/12/2017</a:t>
             </a:fld>
             <a:endParaRPr lang="en-US"/>
           </a:p>
@@ -1068,7 +1071,7 @@
           <a:p>
             <a:fld id="{DCDC5114-4CBE-432C-9917-E7FAEB2ADFB2}" type="datetimeFigureOut">
               <a:rPr lang="en-US" smtClean="0"/>
-              <a:t>8/10/2017</a:t>
+              <a:t>8/12/2017</a:t>
             </a:fld>
             <a:endParaRPr lang="en-US"/>
           </a:p>
@@ -1248,7 +1251,7 @@
           <a:p>
             <a:fld id="{DCDC5114-4CBE-432C-9917-E7FAEB2ADFB2}" type="datetimeFigureOut">
               <a:rPr lang="en-US" smtClean="0"/>
-              <a:t>8/10/2017</a:t>
+              <a:t>8/12/2017</a:t>
             </a:fld>
             <a:endParaRPr lang="en-US"/>
           </a:p>
@@ -1418,7 +1421,7 @@
           <a:p>
             <a:fld id="{DCDC5114-4CBE-432C-9917-E7FAEB2ADFB2}" type="datetimeFigureOut">
               <a:rPr lang="en-US" smtClean="0"/>
-              <a:t>8/10/2017</a:t>
+              <a:t>8/12/2017</a:t>
             </a:fld>
             <a:endParaRPr lang="en-US"/>
           </a:p>
@@ -1664,7 +1667,7 @@
           <a:p>
             <a:fld id="{DCDC5114-4CBE-432C-9917-E7FAEB2ADFB2}" type="datetimeFigureOut">
               <a:rPr lang="en-US" smtClean="0"/>
-              <a:t>8/10/2017</a:t>
+              <a:t>8/12/2017</a:t>
             </a:fld>
             <a:endParaRPr lang="en-US"/>
           </a:p>
@@ -1952,7 +1955,7 @@
           <a:p>
             <a:fld id="{DCDC5114-4CBE-432C-9917-E7FAEB2ADFB2}" type="datetimeFigureOut">
               <a:rPr lang="en-US" smtClean="0"/>
-              <a:t>8/10/2017</a:t>
+              <a:t>8/12/2017</a:t>
             </a:fld>
             <a:endParaRPr lang="en-US"/>
           </a:p>
@@ -2374,7 +2377,7 @@
           <a:p>
             <a:fld id="{DCDC5114-4CBE-432C-9917-E7FAEB2ADFB2}" type="datetimeFigureOut">
               <a:rPr lang="en-US" smtClean="0"/>
-              <a:t>8/10/2017</a:t>
+              <a:t>8/12/2017</a:t>
             </a:fld>
             <a:endParaRPr lang="en-US"/>
           </a:p>
@@ -2492,7 +2495,7 @@
           <a:p>
             <a:fld id="{DCDC5114-4CBE-432C-9917-E7FAEB2ADFB2}" type="datetimeFigureOut">
               <a:rPr lang="en-US" smtClean="0"/>
-              <a:t>8/10/2017</a:t>
+              <a:t>8/12/2017</a:t>
             </a:fld>
             <a:endParaRPr lang="en-US"/>
           </a:p>
@@ -2587,7 +2590,7 @@
           <a:p>
             <a:fld id="{DCDC5114-4CBE-432C-9917-E7FAEB2ADFB2}" type="datetimeFigureOut">
               <a:rPr lang="en-US" smtClean="0"/>
-              <a:t>8/10/2017</a:t>
+              <a:t>8/12/2017</a:t>
             </a:fld>
             <a:endParaRPr lang="en-US"/>
           </a:p>
@@ -2864,7 +2867,7 @@
           <a:p>
             <a:fld id="{DCDC5114-4CBE-432C-9917-E7FAEB2ADFB2}" type="datetimeFigureOut">
               <a:rPr lang="en-US" smtClean="0"/>
-              <a:t>8/10/2017</a:t>
+              <a:t>8/12/2017</a:t>
             </a:fld>
             <a:endParaRPr lang="en-US"/>
           </a:p>
@@ -3117,7 +3120,7 @@
           <a:p>
             <a:fld id="{DCDC5114-4CBE-432C-9917-E7FAEB2ADFB2}" type="datetimeFigureOut">
               <a:rPr lang="en-US" smtClean="0"/>
-              <a:t>8/10/2017</a:t>
+              <a:t>8/12/2017</a:t>
             </a:fld>
             <a:endParaRPr lang="en-US"/>
           </a:p>
@@ -3335,7 +3338,7 @@
           <a:p>
             <a:fld id="{DCDC5114-4CBE-432C-9917-E7FAEB2ADFB2}" type="datetimeFigureOut">
               <a:rPr lang="en-US" smtClean="0"/>
-              <a:t>8/10/2017</a:t>
+              <a:t>8/12/2017</a:t>
             </a:fld>
             <a:endParaRPr lang="en-US"/>
           </a:p>
@@ -3766,7 +3769,7 @@
             <a:r>
               <a:rPr lang="en-US" sz="4000" b="1" dirty="0" err="1" smtClean="0">
                 <a:solidFill>
-                  <a:schemeClr val="accent1">
+                  <a:schemeClr val="tx2">
                     <a:lumMod val="75000"/>
                   </a:schemeClr>
                 </a:solidFill>
@@ -3779,7 +3782,7 @@
             <a:r>
               <a:rPr lang="en-US" sz="4000" b="1" dirty="0" smtClean="0">
                 <a:solidFill>
-                  <a:schemeClr val="accent1">
+                  <a:schemeClr val="tx2">
                     <a:lumMod val="75000"/>
                   </a:schemeClr>
                 </a:solidFill>
@@ -3791,7 +3794,7 @@
             </a:r>
             <a:endParaRPr lang="en-US" sz="4000" b="1" dirty="0">
               <a:solidFill>
-                <a:schemeClr val="accent1">
+                <a:schemeClr val="tx2">
                   <a:lumMod val="75000"/>
                 </a:schemeClr>
               </a:solidFill>
@@ -6018,7 +6021,7 @@
             <a:r>
               <a:rPr lang="en-US" sz="3600" b="1" dirty="0" err="1" smtClean="0">
                 <a:solidFill>
-                  <a:schemeClr val="accent1">
+                  <a:schemeClr val="tx2">
                     <a:lumMod val="75000"/>
                   </a:schemeClr>
                 </a:solidFill>
@@ -6031,7 +6034,7 @@
             <a:r>
               <a:rPr lang="en-US" sz="3600" b="1" dirty="0" smtClean="0">
                 <a:solidFill>
-                  <a:schemeClr val="accent1">
+                  <a:schemeClr val="tx2">
                     <a:lumMod val="75000"/>
                   </a:schemeClr>
                 </a:solidFill>
@@ -6044,7 +6047,7 @@
             <a:r>
               <a:rPr lang="en-US" sz="3600" b="1" dirty="0" err="1" smtClean="0">
                 <a:solidFill>
-                  <a:schemeClr val="accent1">
+                  <a:schemeClr val="tx2">
                     <a:lumMod val="75000"/>
                   </a:schemeClr>
                 </a:solidFill>
@@ -6057,7 +6060,7 @@
             <a:r>
               <a:rPr lang="en-US" sz="3600" b="1" dirty="0" smtClean="0">
                 <a:solidFill>
-                  <a:schemeClr val="accent1">
+                  <a:schemeClr val="tx2">
                     <a:lumMod val="75000"/>
                   </a:schemeClr>
                 </a:solidFill>
@@ -6070,7 +6073,7 @@
             <a:r>
               <a:rPr lang="en-US" sz="3600" b="1" dirty="0" err="1" smtClean="0">
                 <a:solidFill>
-                  <a:schemeClr val="accent1">
+                  <a:schemeClr val="tx2">
                     <a:lumMod val="75000"/>
                   </a:schemeClr>
                 </a:solidFill>
@@ -6083,7 +6086,7 @@
             <a:r>
               <a:rPr lang="en-US" sz="3600" b="1" dirty="0" smtClean="0">
                 <a:solidFill>
-                  <a:schemeClr val="accent1">
+                  <a:schemeClr val="tx2">
                     <a:lumMod val="75000"/>
                   </a:schemeClr>
                 </a:solidFill>
@@ -6096,7 +6099,7 @@
             <a:r>
               <a:rPr lang="en-US" sz="3600" b="1" dirty="0" err="1" smtClean="0">
                 <a:solidFill>
-                  <a:schemeClr val="accent1">
+                  <a:schemeClr val="tx2">
                     <a:lumMod val="75000"/>
                   </a:schemeClr>
                 </a:solidFill>
@@ -6109,7 +6112,7 @@
             <a:r>
               <a:rPr lang="en-US" sz="3600" b="1" dirty="0" smtClean="0">
                 <a:solidFill>
-                  <a:schemeClr val="accent1">
+                  <a:schemeClr val="tx2">
                     <a:lumMod val="75000"/>
                   </a:schemeClr>
                 </a:solidFill>
@@ -6121,7 +6124,7 @@
             </a:r>
             <a:endParaRPr lang="en-US" sz="3600" b="1" dirty="0">
               <a:solidFill>
-                <a:schemeClr val="accent1">
+                <a:schemeClr val="tx2">
                   <a:lumMod val="75000"/>
                 </a:schemeClr>
               </a:solidFill>
@@ -6802,14 +6805,138 @@
         </p:blipFill>
         <p:spPr>
           <a:xfrm>
-            <a:off x="990600" y="1143000"/>
-            <a:ext cx="2467466" cy="4843852"/>
+            <a:off x="1600200" y="1399025"/>
+            <a:ext cx="1979637" cy="3886200"/>
           </a:xfrm>
           <a:prstGeom prst="rect">
             <a:avLst/>
           </a:prstGeom>
         </p:spPr>
       </p:pic>
+      <p:sp>
+        <p:nvSpPr>
+          <p:cNvPr id="6" name="TextBox 5"/>
+          <p:cNvSpPr txBox="1"/>
+          <p:nvPr/>
+        </p:nvSpPr>
+        <p:spPr>
+          <a:xfrm>
+            <a:off x="4648200" y="2228193"/>
+            <a:ext cx="2590800" cy="338554"/>
+          </a:xfrm>
+          <a:prstGeom prst="rect">
+            <a:avLst/>
+          </a:prstGeom>
+          <a:noFill/>
+        </p:spPr>
+        <p:txBody>
+          <a:bodyPr wrap="square" rtlCol="0">
+            <a:spAutoFit/>
+          </a:bodyPr>
+          <a:lstStyle/>
+          <a:p>
+            <a:r>
+              <a:rPr lang="en-US" sz="1600" dirty="0" smtClean="0"/>
+              <a:t>- ĐĂNG KÝ ,ĐĂNG NHẬP</a:t>
+            </a:r>
+            <a:endParaRPr lang="en-US" sz="1600" dirty="0"/>
+          </a:p>
+        </p:txBody>
+      </p:sp>
+      <p:sp>
+        <p:nvSpPr>
+          <p:cNvPr id="12" name="TextBox 11"/>
+          <p:cNvSpPr txBox="1"/>
+          <p:nvPr/>
+        </p:nvSpPr>
+        <p:spPr>
+          <a:xfrm>
+            <a:off x="4648200" y="2895600"/>
+            <a:ext cx="2971800" cy="338554"/>
+          </a:xfrm>
+          <a:prstGeom prst="rect">
+            <a:avLst/>
+          </a:prstGeom>
+          <a:noFill/>
+        </p:spPr>
+        <p:txBody>
+          <a:bodyPr wrap="square" rtlCol="0">
+            <a:spAutoFit/>
+          </a:bodyPr>
+          <a:lstStyle/>
+          <a:p>
+            <a:r>
+              <a:rPr lang="en-US" sz="1600" dirty="0" smtClean="0"/>
+              <a:t>- HIỂN THỊ TIN TUYỂN DỤNG</a:t>
+            </a:r>
+            <a:endParaRPr lang="en-US" sz="1600" dirty="0"/>
+          </a:p>
+        </p:txBody>
+      </p:sp>
+      <p:sp>
+        <p:nvSpPr>
+          <p:cNvPr id="13" name="TextBox 12"/>
+          <p:cNvSpPr txBox="1"/>
+          <p:nvPr/>
+        </p:nvSpPr>
+        <p:spPr>
+          <a:xfrm>
+            <a:off x="4648200" y="3608437"/>
+            <a:ext cx="2971800" cy="338554"/>
+          </a:xfrm>
+          <a:prstGeom prst="rect">
+            <a:avLst/>
+          </a:prstGeom>
+          <a:noFill/>
+        </p:spPr>
+        <p:txBody>
+          <a:bodyPr wrap="square" rtlCol="0">
+            <a:spAutoFit/>
+          </a:bodyPr>
+          <a:lstStyle/>
+          <a:p>
+            <a:r>
+              <a:rPr lang="en-US" sz="1600" dirty="0" smtClean="0"/>
+              <a:t>- ĐĂNG TIN</a:t>
+            </a:r>
+            <a:endParaRPr lang="en-US" sz="1600" dirty="0"/>
+          </a:p>
+        </p:txBody>
+      </p:sp>
+      <p:sp>
+        <p:nvSpPr>
+          <p:cNvPr id="14" name="TextBox 13"/>
+          <p:cNvSpPr txBox="1"/>
+          <p:nvPr/>
+        </p:nvSpPr>
+        <p:spPr>
+          <a:xfrm>
+            <a:off x="4648200" y="4267200"/>
+            <a:ext cx="2971800" cy="369332"/>
+          </a:xfrm>
+          <a:prstGeom prst="rect">
+            <a:avLst/>
+          </a:prstGeom>
+          <a:noFill/>
+        </p:spPr>
+        <p:txBody>
+          <a:bodyPr wrap="square" rtlCol="0">
+            <a:spAutoFit/>
+          </a:bodyPr>
+          <a:lstStyle/>
+          <a:p>
+            <a:r>
+              <a:rPr lang="en-US" dirty="0" smtClean="0"/>
+              <a:t>- </a:t>
+            </a:r>
+            <a:r>
+              <a:rPr lang="en-US" sz="1600" dirty="0" smtClean="0"/>
+              <a:t>MỘT SỐ TÍNH NĂNG KHÁC</a:t>
+            </a:r>
+            <a:endParaRPr lang="en-US" sz="1600" dirty="0"/>
+          </a:p>
+        </p:txBody>
+      </p:sp>
     </p:spTree>
     <p:extLst>
       <p:ext uri="{BB962C8B-B14F-4D97-AF65-F5344CB8AC3E}">
@@ -6823,9 +6950,250 @@
   <p:timing>
     <p:tnLst>
       <p:par>
-        <p:cTn id="1" dur="indefinite" restart="never" nodeType="tmRoot"/>
+        <p:cTn id="1" dur="indefinite" restart="never" nodeType="tmRoot">
+          <p:childTnLst>
+            <p:seq concurrent="1" nextAc="seek">
+              <p:cTn id="2" dur="indefinite" nodeType="mainSeq">
+                <p:childTnLst>
+                  <p:par>
+                    <p:cTn id="3" fill="hold">
+                      <p:stCondLst>
+                        <p:cond delay="indefinite"/>
+                      </p:stCondLst>
+                      <p:childTnLst>
+                        <p:par>
+                          <p:cTn id="4" fill="hold">
+                            <p:stCondLst>
+                              <p:cond delay="0"/>
+                            </p:stCondLst>
+                            <p:childTnLst>
+                              <p:par>
+                                <p:cTn id="5" presetID="10" presetClass="entr" presetSubtype="0" fill="hold" grpId="0" nodeType="clickEffect">
+                                  <p:stCondLst>
+                                    <p:cond delay="0"/>
+                                  </p:stCondLst>
+                                  <p:childTnLst>
+                                    <p:set>
+                                      <p:cBhvr>
+                                        <p:cTn id="6" dur="1" fill="hold">
+                                          <p:stCondLst>
+                                            <p:cond delay="0"/>
+                                          </p:stCondLst>
+                                        </p:cTn>
+                                        <p:tgtEl>
+                                          <p:spTgt spid="6"/>
+                                        </p:tgtEl>
+                                        <p:attrNameLst>
+                                          <p:attrName>style.visibility</p:attrName>
+                                        </p:attrNameLst>
+                                      </p:cBhvr>
+                                      <p:to>
+                                        <p:strVal val="visible"/>
+                                      </p:to>
+                                    </p:set>
+                                    <p:animEffect transition="in" filter="fade">
+                                      <p:cBhvr>
+                                        <p:cTn id="7" dur="2000"/>
+                                        <p:tgtEl>
+                                          <p:spTgt spid="6"/>
+                                        </p:tgtEl>
+                                      </p:cBhvr>
+                                    </p:animEffect>
+                                  </p:childTnLst>
+                                </p:cTn>
+                              </p:par>
+                            </p:childTnLst>
+                          </p:cTn>
+                        </p:par>
+                      </p:childTnLst>
+                    </p:cTn>
+                  </p:par>
+                  <p:par>
+                    <p:cTn id="8" fill="hold">
+                      <p:stCondLst>
+                        <p:cond delay="indefinite"/>
+                      </p:stCondLst>
+                      <p:childTnLst>
+                        <p:par>
+                          <p:cTn id="9" fill="hold">
+                            <p:stCondLst>
+                              <p:cond delay="0"/>
+                            </p:stCondLst>
+                            <p:childTnLst>
+                              <p:par>
+                                <p:cTn id="10" presetID="10" presetClass="entr" presetSubtype="0" fill="hold" grpId="0" nodeType="clickEffect">
+                                  <p:stCondLst>
+                                    <p:cond delay="0"/>
+                                  </p:stCondLst>
+                                  <p:childTnLst>
+                                    <p:set>
+                                      <p:cBhvr>
+                                        <p:cTn id="11" dur="1" fill="hold">
+                                          <p:stCondLst>
+                                            <p:cond delay="0"/>
+                                          </p:stCondLst>
+                                        </p:cTn>
+                                        <p:tgtEl>
+                                          <p:spTgt spid="12"/>
+                                        </p:tgtEl>
+                                        <p:attrNameLst>
+                                          <p:attrName>style.visibility</p:attrName>
+                                        </p:attrNameLst>
+                                      </p:cBhvr>
+                                      <p:to>
+                                        <p:strVal val="visible"/>
+                                      </p:to>
+                                    </p:set>
+                                    <p:animEffect transition="in" filter="fade">
+                                      <p:cBhvr>
+                                        <p:cTn id="12" dur="2000"/>
+                                        <p:tgtEl>
+                                          <p:spTgt spid="12"/>
+                                        </p:tgtEl>
+                                      </p:cBhvr>
+                                    </p:animEffect>
+                                  </p:childTnLst>
+                                </p:cTn>
+                              </p:par>
+                            </p:childTnLst>
+                          </p:cTn>
+                        </p:par>
+                      </p:childTnLst>
+                    </p:cTn>
+                  </p:par>
+                  <p:par>
+                    <p:cTn id="13" fill="hold">
+                      <p:stCondLst>
+                        <p:cond delay="indefinite"/>
+                      </p:stCondLst>
+                      <p:childTnLst>
+                        <p:par>
+                          <p:cTn id="14" fill="hold">
+                            <p:stCondLst>
+                              <p:cond delay="0"/>
+                            </p:stCondLst>
+                            <p:childTnLst>
+                              <p:par>
+                                <p:cTn id="15" presetID="10" presetClass="entr" presetSubtype="0" fill="hold" grpId="0" nodeType="clickEffect">
+                                  <p:stCondLst>
+                                    <p:cond delay="0"/>
+                                  </p:stCondLst>
+                                  <p:childTnLst>
+                                    <p:set>
+                                      <p:cBhvr>
+                                        <p:cTn id="16" dur="1" fill="hold">
+                                          <p:stCondLst>
+                                            <p:cond delay="0"/>
+                                          </p:stCondLst>
+                                        </p:cTn>
+                                        <p:tgtEl>
+                                          <p:spTgt spid="13"/>
+                                        </p:tgtEl>
+                                        <p:attrNameLst>
+                                          <p:attrName>style.visibility</p:attrName>
+                                        </p:attrNameLst>
+                                      </p:cBhvr>
+                                      <p:to>
+                                        <p:strVal val="visible"/>
+                                      </p:to>
+                                    </p:set>
+                                    <p:animEffect transition="in" filter="fade">
+                                      <p:cBhvr>
+                                        <p:cTn id="17" dur="2000"/>
+                                        <p:tgtEl>
+                                          <p:spTgt spid="13"/>
+                                        </p:tgtEl>
+                                      </p:cBhvr>
+                                    </p:animEffect>
+                                  </p:childTnLst>
+                                </p:cTn>
+                              </p:par>
+                            </p:childTnLst>
+                          </p:cTn>
+                        </p:par>
+                      </p:childTnLst>
+                    </p:cTn>
+                  </p:par>
+                  <p:par>
+                    <p:cTn id="18" fill="hold">
+                      <p:stCondLst>
+                        <p:cond delay="indefinite"/>
+                      </p:stCondLst>
+                      <p:childTnLst>
+                        <p:par>
+                          <p:cTn id="19" fill="hold">
+                            <p:stCondLst>
+                              <p:cond delay="0"/>
+                            </p:stCondLst>
+                            <p:childTnLst>
+                              <p:par>
+                                <p:cTn id="20" presetID="10" presetClass="entr" presetSubtype="0" fill="hold" grpId="0" nodeType="clickEffect">
+                                  <p:stCondLst>
+                                    <p:cond delay="0"/>
+                                  </p:stCondLst>
+                                  <p:childTnLst>
+                                    <p:set>
+                                      <p:cBhvr>
+                                        <p:cTn id="21" dur="1" fill="hold">
+                                          <p:stCondLst>
+                                            <p:cond delay="0"/>
+                                          </p:stCondLst>
+                                        </p:cTn>
+                                        <p:tgtEl>
+                                          <p:spTgt spid="14"/>
+                                        </p:tgtEl>
+                                        <p:attrNameLst>
+                                          <p:attrName>style.visibility</p:attrName>
+                                        </p:attrNameLst>
+                                      </p:cBhvr>
+                                      <p:to>
+                                        <p:strVal val="visible"/>
+                                      </p:to>
+                                    </p:set>
+                                    <p:animEffect transition="in" filter="fade">
+                                      <p:cBhvr>
+                                        <p:cTn id="22" dur="2000"/>
+                                        <p:tgtEl>
+                                          <p:spTgt spid="14"/>
+                                        </p:tgtEl>
+                                      </p:cBhvr>
+                                    </p:animEffect>
+                                  </p:childTnLst>
+                                </p:cTn>
+                              </p:par>
+                            </p:childTnLst>
+                          </p:cTn>
+                        </p:par>
+                      </p:childTnLst>
+                    </p:cTn>
+                  </p:par>
+                </p:childTnLst>
+              </p:cTn>
+              <p:prevCondLst>
+                <p:cond evt="onPrev" delay="0">
+                  <p:tgtEl>
+                    <p:sldTgt/>
+                  </p:tgtEl>
+                </p:cond>
+              </p:prevCondLst>
+              <p:nextCondLst>
+                <p:cond evt="onNext" delay="0">
+                  <p:tgtEl>
+                    <p:sldTgt/>
+                  </p:tgtEl>
+                </p:cond>
+              </p:nextCondLst>
+            </p:seq>
+          </p:childTnLst>
+        </p:cTn>
       </p:par>
     </p:tnLst>
+    <p:bldLst>
+      <p:bldP spid="6" grpId="0"/>
+      <p:bldP spid="12" grpId="0"/>
+      <p:bldP spid="13" grpId="0"/>
+      <p:bldP spid="14" grpId="0"/>
+    </p:bldLst>
   </p:timing>
 </p:sld>
 </file>
@@ -6847,44 +7215,6 @@
           <a:chExt cx="0" cy="0"/>
         </a:xfrm>
       </p:grpSpPr>
-      <p:sp>
-        <p:nvSpPr>
-          <p:cNvPr id="2" name="Title 1"/>
-          <p:cNvSpPr>
-            <a:spLocks noGrp="1"/>
-          </p:cNvSpPr>
-          <p:nvPr>
-            <p:ph type="title"/>
-          </p:nvPr>
-        </p:nvSpPr>
-        <p:spPr/>
-        <p:txBody>
-          <a:bodyPr/>
-          <a:lstStyle/>
-          <a:p>
-            <a:endParaRPr lang="en-US"/>
-          </a:p>
-        </p:txBody>
-      </p:sp>
-      <p:sp>
-        <p:nvSpPr>
-          <p:cNvPr id="3" name="Content Placeholder 2"/>
-          <p:cNvSpPr>
-            <a:spLocks noGrp="1"/>
-          </p:cNvSpPr>
-          <p:nvPr>
-            <p:ph idx="1"/>
-          </p:nvPr>
-        </p:nvSpPr>
-        <p:spPr/>
-        <p:txBody>
-          <a:bodyPr/>
-          <a:lstStyle/>
-          <a:p>
-            <a:endParaRPr lang="en-US"/>
-          </a:p>
-        </p:txBody>
-      </p:sp>
       <p:pic>
         <p:nvPicPr>
           <p:cNvPr id="4" name="Picture 3"/>
@@ -6938,6 +7268,1747 @@
           <a:lstStyle/>
           <a:p>
             <a:r>
+              <a:rPr lang="en-US" sz="1400" b="1" dirty="0" err="1" smtClean="0">
+                <a:solidFill>
+                  <a:prstClr val="black"/>
+                </a:solidFill>
+              </a:rPr>
+              <a:t>Jobpef</a:t>
+            </a:r>
+            <a:r>
+              <a:rPr lang="en-US" sz="1400" b="1" dirty="0" smtClean="0">
+                <a:solidFill>
+                  <a:prstClr val="black"/>
+                </a:solidFill>
+              </a:rPr>
+              <a:t> Team</a:t>
+            </a:r>
+            <a:endParaRPr lang="en-US" sz="1400" b="1" dirty="0">
+              <a:solidFill>
+                <a:prstClr val="black"/>
+              </a:solidFill>
+            </a:endParaRPr>
+          </a:p>
+        </p:txBody>
+      </p:sp>
+      <p:sp>
+        <p:nvSpPr>
+          <p:cNvPr id="8" name="TextBox 7"/>
+          <p:cNvSpPr txBox="1"/>
+          <p:nvPr/>
+        </p:nvSpPr>
+        <p:spPr>
+          <a:xfrm>
+            <a:off x="2747141" y="614195"/>
+            <a:ext cx="3352800" cy="523220"/>
+          </a:xfrm>
+          <a:prstGeom prst="rect">
+            <a:avLst/>
+          </a:prstGeom>
+          <a:noFill/>
+        </p:spPr>
+        <p:txBody>
+          <a:bodyPr wrap="square" rtlCol="0">
+            <a:spAutoFit/>
+          </a:bodyPr>
+          <a:lstStyle/>
+          <a:p>
+            <a:r>
+              <a:rPr lang="en-US" sz="2800" b="1" dirty="0" err="1" smtClean="0">
+                <a:solidFill>
+                  <a:srgbClr val="4F81BD">
+                    <a:lumMod val="50000"/>
+                  </a:srgbClr>
+                </a:solidFill>
+                <a:latin typeface="Tahoma" panose="020B0604030504040204" pitchFamily="34" charset="0"/>
+                <a:ea typeface="Tahoma" panose="020B0604030504040204" pitchFamily="34" charset="0"/>
+                <a:cs typeface="Tahoma" panose="020B0604030504040204" pitchFamily="34" charset="0"/>
+              </a:rPr>
+              <a:t>Khởi</a:t>
+            </a:r>
+            <a:r>
+              <a:rPr lang="en-US" sz="2800" b="1" dirty="0" smtClean="0">
+                <a:solidFill>
+                  <a:srgbClr val="4F81BD">
+                    <a:lumMod val="50000"/>
+                  </a:srgbClr>
+                </a:solidFill>
+                <a:latin typeface="Tahoma" panose="020B0604030504040204" pitchFamily="34" charset="0"/>
+                <a:ea typeface="Tahoma" panose="020B0604030504040204" pitchFamily="34" charset="0"/>
+                <a:cs typeface="Tahoma" panose="020B0604030504040204" pitchFamily="34" charset="0"/>
+              </a:rPr>
+              <a:t> </a:t>
+            </a:r>
+            <a:r>
+              <a:rPr lang="en-US" sz="2800" b="1" dirty="0" err="1" smtClean="0">
+                <a:solidFill>
+                  <a:srgbClr val="4F81BD">
+                    <a:lumMod val="50000"/>
+                  </a:srgbClr>
+                </a:solidFill>
+                <a:latin typeface="Tahoma" panose="020B0604030504040204" pitchFamily="34" charset="0"/>
+                <a:ea typeface="Tahoma" panose="020B0604030504040204" pitchFamily="34" charset="0"/>
+                <a:cs typeface="Tahoma" panose="020B0604030504040204" pitchFamily="34" charset="0"/>
+              </a:rPr>
+              <a:t>tạo</a:t>
+            </a:r>
+            <a:r>
+              <a:rPr lang="en-US" sz="2800" b="1" dirty="0" smtClean="0">
+                <a:solidFill>
+                  <a:srgbClr val="4F81BD">
+                    <a:lumMod val="50000"/>
+                  </a:srgbClr>
+                </a:solidFill>
+                <a:latin typeface="Tahoma" panose="020B0604030504040204" pitchFamily="34" charset="0"/>
+                <a:ea typeface="Tahoma" panose="020B0604030504040204" pitchFamily="34" charset="0"/>
+                <a:cs typeface="Tahoma" panose="020B0604030504040204" pitchFamily="34" charset="0"/>
+              </a:rPr>
+              <a:t> User :</a:t>
+            </a:r>
+            <a:endParaRPr lang="en-US" sz="2800" b="1" dirty="0">
+              <a:solidFill>
+                <a:srgbClr val="4F81BD">
+                  <a:lumMod val="50000"/>
+                </a:srgbClr>
+              </a:solidFill>
+              <a:latin typeface="Tahoma" panose="020B0604030504040204" pitchFamily="34" charset="0"/>
+              <a:ea typeface="Tahoma" panose="020B0604030504040204" pitchFamily="34" charset="0"/>
+              <a:cs typeface="Tahoma" panose="020B0604030504040204" pitchFamily="34" charset="0"/>
+            </a:endParaRPr>
+          </a:p>
+        </p:txBody>
+      </p:sp>
+      <p:pic>
+        <p:nvPicPr>
+          <p:cNvPr id="2" name="Picture 1"/>
+          <p:cNvPicPr>
+            <a:picLocks noChangeAspect="1"/>
+          </p:cNvPicPr>
+          <p:nvPr/>
+        </p:nvPicPr>
+        <p:blipFill>
+          <a:blip r:embed="rId3">
+            <a:extLst>
+              <a:ext uri="{28A0092B-C50C-407E-A947-70E740481C1C}">
+                <a14:useLocalDpi xmlns:a14="http://schemas.microsoft.com/office/drawing/2010/main" val="0"/>
+              </a:ext>
+            </a:extLst>
+          </a:blip>
+          <a:stretch>
+            <a:fillRect/>
+          </a:stretch>
+        </p:blipFill>
+        <p:spPr>
+          <a:xfrm>
+            <a:off x="2362200" y="2016671"/>
+            <a:ext cx="1419423" cy="2786451"/>
+          </a:xfrm>
+          <a:prstGeom prst="rect">
+            <a:avLst/>
+          </a:prstGeom>
+        </p:spPr>
+      </p:pic>
+      <p:pic>
+        <p:nvPicPr>
+          <p:cNvPr id="3" name="Picture 2"/>
+          <p:cNvPicPr>
+            <a:picLocks noChangeAspect="1"/>
+          </p:cNvPicPr>
+          <p:nvPr/>
+        </p:nvPicPr>
+        <p:blipFill>
+          <a:blip r:embed="rId4">
+            <a:extLst>
+              <a:ext uri="{28A0092B-C50C-407E-A947-70E740481C1C}">
+                <a14:useLocalDpi xmlns:a14="http://schemas.microsoft.com/office/drawing/2010/main" val="0"/>
+              </a:ext>
+            </a:extLst>
+          </a:blip>
+          <a:stretch>
+            <a:fillRect/>
+          </a:stretch>
+        </p:blipFill>
+        <p:spPr>
+          <a:xfrm>
+            <a:off x="4876800" y="2004848"/>
+            <a:ext cx="1380824" cy="2810099"/>
+          </a:xfrm>
+          <a:prstGeom prst="rect">
+            <a:avLst/>
+          </a:prstGeom>
+        </p:spPr>
+      </p:pic>
+    </p:spTree>
+    <p:extLst>
+      <p:ext uri="{BB962C8B-B14F-4D97-AF65-F5344CB8AC3E}">
+        <p14:creationId xmlns:p14="http://schemas.microsoft.com/office/powerpoint/2010/main" val="555002125"/>
+      </p:ext>
+    </p:extLst>
+  </p:cSld>
+  <p:clrMapOvr>
+    <a:masterClrMapping/>
+  </p:clrMapOvr>
+  <p:timing>
+    <p:tnLst>
+      <p:par>
+        <p:cTn id="1" dur="indefinite" restart="never" nodeType="tmRoot">
+          <p:childTnLst>
+            <p:seq concurrent="1" nextAc="seek">
+              <p:cTn id="2" dur="indefinite" nodeType="mainSeq">
+                <p:childTnLst>
+                  <p:par>
+                    <p:cTn id="3" fill="hold">
+                      <p:stCondLst>
+                        <p:cond delay="indefinite"/>
+                      </p:stCondLst>
+                      <p:childTnLst>
+                        <p:par>
+                          <p:cTn id="4" fill="hold">
+                            <p:stCondLst>
+                              <p:cond delay="0"/>
+                            </p:stCondLst>
+                            <p:childTnLst>
+                              <p:par>
+                                <p:cTn id="5" presetID="10" presetClass="entr" presetSubtype="0" fill="hold" nodeType="clickEffect">
+                                  <p:stCondLst>
+                                    <p:cond delay="0"/>
+                                  </p:stCondLst>
+                                  <p:childTnLst>
+                                    <p:set>
+                                      <p:cBhvr>
+                                        <p:cTn id="6" dur="1" fill="hold">
+                                          <p:stCondLst>
+                                            <p:cond delay="0"/>
+                                          </p:stCondLst>
+                                        </p:cTn>
+                                        <p:tgtEl>
+                                          <p:spTgt spid="2"/>
+                                        </p:tgtEl>
+                                        <p:attrNameLst>
+                                          <p:attrName>style.visibility</p:attrName>
+                                        </p:attrNameLst>
+                                      </p:cBhvr>
+                                      <p:to>
+                                        <p:strVal val="visible"/>
+                                      </p:to>
+                                    </p:set>
+                                    <p:animEffect transition="in" filter="fade">
+                                      <p:cBhvr>
+                                        <p:cTn id="7" dur="1500"/>
+                                        <p:tgtEl>
+                                          <p:spTgt spid="2"/>
+                                        </p:tgtEl>
+                                      </p:cBhvr>
+                                    </p:animEffect>
+                                  </p:childTnLst>
+                                </p:cTn>
+                              </p:par>
+                            </p:childTnLst>
+                          </p:cTn>
+                        </p:par>
+                      </p:childTnLst>
+                    </p:cTn>
+                  </p:par>
+                  <p:par>
+                    <p:cTn id="8" fill="hold">
+                      <p:stCondLst>
+                        <p:cond delay="indefinite"/>
+                      </p:stCondLst>
+                      <p:childTnLst>
+                        <p:par>
+                          <p:cTn id="9" fill="hold">
+                            <p:stCondLst>
+                              <p:cond delay="0"/>
+                            </p:stCondLst>
+                            <p:childTnLst>
+                              <p:par>
+                                <p:cTn id="10" presetID="10" presetClass="entr" presetSubtype="0" fill="hold" nodeType="clickEffect">
+                                  <p:stCondLst>
+                                    <p:cond delay="0"/>
+                                  </p:stCondLst>
+                                  <p:childTnLst>
+                                    <p:set>
+                                      <p:cBhvr>
+                                        <p:cTn id="11" dur="1" fill="hold">
+                                          <p:stCondLst>
+                                            <p:cond delay="0"/>
+                                          </p:stCondLst>
+                                        </p:cTn>
+                                        <p:tgtEl>
+                                          <p:spTgt spid="3"/>
+                                        </p:tgtEl>
+                                        <p:attrNameLst>
+                                          <p:attrName>style.visibility</p:attrName>
+                                        </p:attrNameLst>
+                                      </p:cBhvr>
+                                      <p:to>
+                                        <p:strVal val="visible"/>
+                                      </p:to>
+                                    </p:set>
+                                    <p:animEffect transition="in" filter="fade">
+                                      <p:cBhvr>
+                                        <p:cTn id="12" dur="1500"/>
+                                        <p:tgtEl>
+                                          <p:spTgt spid="3"/>
+                                        </p:tgtEl>
+                                      </p:cBhvr>
+                                    </p:animEffect>
+                                  </p:childTnLst>
+                                </p:cTn>
+                              </p:par>
+                            </p:childTnLst>
+                          </p:cTn>
+                        </p:par>
+                      </p:childTnLst>
+                    </p:cTn>
+                  </p:par>
+                </p:childTnLst>
+              </p:cTn>
+              <p:prevCondLst>
+                <p:cond evt="onPrev" delay="0">
+                  <p:tgtEl>
+                    <p:sldTgt/>
+                  </p:tgtEl>
+                </p:cond>
+              </p:prevCondLst>
+              <p:nextCondLst>
+                <p:cond evt="onNext" delay="0">
+                  <p:tgtEl>
+                    <p:sldTgt/>
+                  </p:tgtEl>
+                </p:cond>
+              </p:nextCondLst>
+            </p:seq>
+          </p:childTnLst>
+        </p:cTn>
+      </p:par>
+    </p:tnLst>
+  </p:timing>
+</p:sld>
+</file>
+
+<file path=ppt/slides/slide7.xml><?xml version="1.0" encoding="utf-8"?>
+<p:sld xmlns:a="http://schemas.openxmlformats.org/drawingml/2006/main" xmlns:r="http://schemas.openxmlformats.org/officeDocument/2006/relationships" xmlns:p="http://schemas.openxmlformats.org/presentationml/2006/main">
+  <p:cSld>
+    <p:spTree>
+      <p:nvGrpSpPr>
+        <p:cNvPr id="1" name=""/>
+        <p:cNvGrpSpPr/>
+        <p:nvPr/>
+      </p:nvGrpSpPr>
+      <p:grpSpPr>
+        <a:xfrm>
+          <a:off x="0" y="0"/>
+          <a:ext cx="0" cy="0"/>
+          <a:chOff x="0" y="0"/>
+          <a:chExt cx="0" cy="0"/>
+        </a:xfrm>
+      </p:grpSpPr>
+      <p:pic>
+        <p:nvPicPr>
+          <p:cNvPr id="4" name="Picture 3"/>
+          <p:cNvPicPr>
+            <a:picLocks noChangeAspect="1"/>
+          </p:cNvPicPr>
+          <p:nvPr/>
+        </p:nvPicPr>
+        <p:blipFill>
+          <a:blip r:embed="rId2" cstate="print">
+            <a:extLst>
+              <a:ext uri="{28A0092B-C50C-407E-A947-70E740481C1C}">
+                <a14:useLocalDpi xmlns:a14="http://schemas.microsoft.com/office/drawing/2010/main" val="0"/>
+              </a:ext>
+            </a:extLst>
+          </a:blip>
+          <a:stretch>
+            <a:fillRect/>
+          </a:stretch>
+        </p:blipFill>
+        <p:spPr>
+          <a:xfrm>
+            <a:off x="195942" y="6248400"/>
+            <a:ext cx="457200" cy="457200"/>
+          </a:xfrm>
+          <a:prstGeom prst="rect">
+            <a:avLst/>
+          </a:prstGeom>
+        </p:spPr>
+      </p:pic>
+      <p:sp>
+        <p:nvSpPr>
+          <p:cNvPr id="5" name="TextBox 4"/>
+          <p:cNvSpPr txBox="1"/>
+          <p:nvPr/>
+        </p:nvSpPr>
+        <p:spPr>
+          <a:xfrm>
+            <a:off x="673319" y="6323111"/>
+            <a:ext cx="1250732" cy="307777"/>
+          </a:xfrm>
+          <a:prstGeom prst="rect">
+            <a:avLst/>
+          </a:prstGeom>
+          <a:noFill/>
+        </p:spPr>
+        <p:txBody>
+          <a:bodyPr wrap="square" rtlCol="0">
+            <a:spAutoFit/>
+          </a:bodyPr>
+          <a:lstStyle/>
+          <a:p>
+            <a:r>
+              <a:rPr lang="en-US" sz="1400" b="1" dirty="0" err="1" smtClean="0">
+                <a:solidFill>
+                  <a:prstClr val="black"/>
+                </a:solidFill>
+              </a:rPr>
+              <a:t>Jobpef</a:t>
+            </a:r>
+            <a:r>
+              <a:rPr lang="en-US" sz="1400" b="1" dirty="0" smtClean="0">
+                <a:solidFill>
+                  <a:prstClr val="black"/>
+                </a:solidFill>
+              </a:rPr>
+              <a:t> Team</a:t>
+            </a:r>
+            <a:endParaRPr lang="en-US" sz="1400" b="1" dirty="0">
+              <a:solidFill>
+                <a:prstClr val="black"/>
+              </a:solidFill>
+            </a:endParaRPr>
+          </a:p>
+        </p:txBody>
+      </p:sp>
+      <p:sp>
+        <p:nvSpPr>
+          <p:cNvPr id="8" name="TextBox 7"/>
+          <p:cNvSpPr txBox="1"/>
+          <p:nvPr/>
+        </p:nvSpPr>
+        <p:spPr>
+          <a:xfrm>
+            <a:off x="2945524" y="490210"/>
+            <a:ext cx="3352800" cy="523220"/>
+          </a:xfrm>
+          <a:prstGeom prst="rect">
+            <a:avLst/>
+          </a:prstGeom>
+          <a:noFill/>
+        </p:spPr>
+        <p:txBody>
+          <a:bodyPr wrap="square" rtlCol="0">
+            <a:spAutoFit/>
+          </a:bodyPr>
+          <a:lstStyle/>
+          <a:p>
+            <a:pPr algn="ctr"/>
+            <a:r>
+              <a:rPr lang="en-US" sz="2800" b="1" dirty="0" err="1" smtClean="0">
+                <a:solidFill>
+                  <a:srgbClr val="4F81BD">
+                    <a:lumMod val="50000"/>
+                  </a:srgbClr>
+                </a:solidFill>
+                <a:latin typeface="Tahoma" panose="020B0604030504040204" pitchFamily="34" charset="0"/>
+                <a:ea typeface="Tahoma" panose="020B0604030504040204" pitchFamily="34" charset="0"/>
+                <a:cs typeface="Tahoma" panose="020B0604030504040204" pitchFamily="34" charset="0"/>
+              </a:rPr>
+              <a:t>Hiển</a:t>
+            </a:r>
+            <a:r>
+              <a:rPr lang="en-US" sz="2800" b="1" dirty="0" smtClean="0">
+                <a:solidFill>
+                  <a:srgbClr val="4F81BD">
+                    <a:lumMod val="50000"/>
+                  </a:srgbClr>
+                </a:solidFill>
+                <a:latin typeface="Tahoma" panose="020B0604030504040204" pitchFamily="34" charset="0"/>
+                <a:ea typeface="Tahoma" panose="020B0604030504040204" pitchFamily="34" charset="0"/>
+                <a:cs typeface="Tahoma" panose="020B0604030504040204" pitchFamily="34" charset="0"/>
+              </a:rPr>
+              <a:t> </a:t>
+            </a:r>
+            <a:r>
+              <a:rPr lang="en-US" sz="2800" b="1" dirty="0" err="1" smtClean="0">
+                <a:solidFill>
+                  <a:srgbClr val="4F81BD">
+                    <a:lumMod val="50000"/>
+                  </a:srgbClr>
+                </a:solidFill>
+                <a:latin typeface="Tahoma" panose="020B0604030504040204" pitchFamily="34" charset="0"/>
+                <a:ea typeface="Tahoma" panose="020B0604030504040204" pitchFamily="34" charset="0"/>
+                <a:cs typeface="Tahoma" panose="020B0604030504040204" pitchFamily="34" charset="0"/>
+              </a:rPr>
+              <a:t>thị</a:t>
+            </a:r>
+            <a:r>
+              <a:rPr lang="en-US" sz="2800" b="1" dirty="0" smtClean="0">
+                <a:solidFill>
+                  <a:srgbClr val="4F81BD">
+                    <a:lumMod val="50000"/>
+                  </a:srgbClr>
+                </a:solidFill>
+                <a:latin typeface="Tahoma" panose="020B0604030504040204" pitchFamily="34" charset="0"/>
+                <a:ea typeface="Tahoma" panose="020B0604030504040204" pitchFamily="34" charset="0"/>
+                <a:cs typeface="Tahoma" panose="020B0604030504040204" pitchFamily="34" charset="0"/>
+              </a:rPr>
+              <a:t> :</a:t>
+            </a:r>
+            <a:endParaRPr lang="en-US" sz="2800" b="1" dirty="0">
+              <a:solidFill>
+                <a:srgbClr val="4F81BD">
+                  <a:lumMod val="50000"/>
+                </a:srgbClr>
+              </a:solidFill>
+              <a:latin typeface="Tahoma" panose="020B0604030504040204" pitchFamily="34" charset="0"/>
+              <a:ea typeface="Tahoma" panose="020B0604030504040204" pitchFamily="34" charset="0"/>
+              <a:cs typeface="Tahoma" panose="020B0604030504040204" pitchFamily="34" charset="0"/>
+            </a:endParaRPr>
+          </a:p>
+        </p:txBody>
+      </p:sp>
+      <p:pic>
+        <p:nvPicPr>
+          <p:cNvPr id="2" name="Picture 1"/>
+          <p:cNvPicPr>
+            <a:picLocks noChangeAspect="1"/>
+          </p:cNvPicPr>
+          <p:nvPr/>
+        </p:nvPicPr>
+        <p:blipFill>
+          <a:blip r:embed="rId3">
+            <a:extLst>
+              <a:ext uri="{28A0092B-C50C-407E-A947-70E740481C1C}">
+                <a14:useLocalDpi xmlns:a14="http://schemas.microsoft.com/office/drawing/2010/main" val="0"/>
+              </a:ext>
+            </a:extLst>
+          </a:blip>
+          <a:stretch>
+            <a:fillRect/>
+          </a:stretch>
+        </p:blipFill>
+        <p:spPr>
+          <a:xfrm>
+            <a:off x="1139060" y="1981200"/>
+            <a:ext cx="1322063" cy="2666999"/>
+          </a:xfrm>
+          <a:prstGeom prst="rect">
+            <a:avLst/>
+          </a:prstGeom>
+        </p:spPr>
+      </p:pic>
+      <p:pic>
+        <p:nvPicPr>
+          <p:cNvPr id="3" name="Picture 2"/>
+          <p:cNvPicPr>
+            <a:picLocks noChangeAspect="1"/>
+          </p:cNvPicPr>
+          <p:nvPr/>
+        </p:nvPicPr>
+        <p:blipFill>
+          <a:blip r:embed="rId4">
+            <a:extLst>
+              <a:ext uri="{28A0092B-C50C-407E-A947-70E740481C1C}">
+                <a14:useLocalDpi xmlns:a14="http://schemas.microsoft.com/office/drawing/2010/main" val="0"/>
+              </a:ext>
+            </a:extLst>
+          </a:blip>
+          <a:stretch>
+            <a:fillRect/>
+          </a:stretch>
+        </p:blipFill>
+        <p:spPr>
+          <a:xfrm>
+            <a:off x="2982063" y="1981199"/>
+            <a:ext cx="1276512" cy="2666999"/>
+          </a:xfrm>
+          <a:prstGeom prst="rect">
+            <a:avLst/>
+          </a:prstGeom>
+        </p:spPr>
+      </p:pic>
+      <p:pic>
+        <p:nvPicPr>
+          <p:cNvPr id="7" name="Picture 6"/>
+          <p:cNvPicPr>
+            <a:picLocks noChangeAspect="1"/>
+          </p:cNvPicPr>
+          <p:nvPr/>
+        </p:nvPicPr>
+        <p:blipFill>
+          <a:blip r:embed="rId5">
+            <a:extLst>
+              <a:ext uri="{28A0092B-C50C-407E-A947-70E740481C1C}">
+                <a14:useLocalDpi xmlns:a14="http://schemas.microsoft.com/office/drawing/2010/main" val="0"/>
+              </a:ext>
+            </a:extLst>
+          </a:blip>
+          <a:stretch>
+            <a:fillRect/>
+          </a:stretch>
+        </p:blipFill>
+        <p:spPr>
+          <a:xfrm>
+            <a:off x="4953000" y="1995652"/>
+            <a:ext cx="1256706" cy="2652547"/>
+          </a:xfrm>
+          <a:prstGeom prst="rect">
+            <a:avLst/>
+          </a:prstGeom>
+        </p:spPr>
+      </p:pic>
+      <p:pic>
+        <p:nvPicPr>
+          <p:cNvPr id="9" name="Picture 8"/>
+          <p:cNvPicPr>
+            <a:picLocks noChangeAspect="1"/>
+          </p:cNvPicPr>
+          <p:nvPr/>
+        </p:nvPicPr>
+        <p:blipFill>
+          <a:blip r:embed="rId6">
+            <a:extLst>
+              <a:ext uri="{28A0092B-C50C-407E-A947-70E740481C1C}">
+                <a14:useLocalDpi xmlns:a14="http://schemas.microsoft.com/office/drawing/2010/main" val="0"/>
+              </a:ext>
+            </a:extLst>
+          </a:blip>
+          <a:stretch>
+            <a:fillRect/>
+          </a:stretch>
+        </p:blipFill>
+        <p:spPr>
+          <a:xfrm>
+            <a:off x="6802940" y="1995652"/>
+            <a:ext cx="1306348" cy="2681451"/>
+          </a:xfrm>
+          <a:prstGeom prst="rect">
+            <a:avLst/>
+          </a:prstGeom>
+        </p:spPr>
+      </p:pic>
+    </p:spTree>
+    <p:extLst>
+      <p:ext uri="{BB962C8B-B14F-4D97-AF65-F5344CB8AC3E}">
+        <p14:creationId xmlns:p14="http://schemas.microsoft.com/office/powerpoint/2010/main" val="555002125"/>
+      </p:ext>
+    </p:extLst>
+  </p:cSld>
+  <p:clrMapOvr>
+    <a:masterClrMapping/>
+  </p:clrMapOvr>
+  <p:timing>
+    <p:tnLst>
+      <p:par>
+        <p:cTn id="1" dur="indefinite" restart="never" nodeType="tmRoot">
+          <p:childTnLst>
+            <p:seq concurrent="1" nextAc="seek">
+              <p:cTn id="2" dur="indefinite" nodeType="mainSeq">
+                <p:childTnLst>
+                  <p:par>
+                    <p:cTn id="3" fill="hold">
+                      <p:stCondLst>
+                        <p:cond delay="indefinite"/>
+                      </p:stCondLst>
+                      <p:childTnLst>
+                        <p:par>
+                          <p:cTn id="4" fill="hold">
+                            <p:stCondLst>
+                              <p:cond delay="0"/>
+                            </p:stCondLst>
+                            <p:childTnLst>
+                              <p:par>
+                                <p:cTn id="5" presetID="42" presetClass="entr" presetSubtype="0" fill="hold" nodeType="clickEffect">
+                                  <p:stCondLst>
+                                    <p:cond delay="0"/>
+                                  </p:stCondLst>
+                                  <p:childTnLst>
+                                    <p:set>
+                                      <p:cBhvr>
+                                        <p:cTn id="6" dur="1" fill="hold">
+                                          <p:stCondLst>
+                                            <p:cond delay="0"/>
+                                          </p:stCondLst>
+                                        </p:cTn>
+                                        <p:tgtEl>
+                                          <p:spTgt spid="2"/>
+                                        </p:tgtEl>
+                                        <p:attrNameLst>
+                                          <p:attrName>style.visibility</p:attrName>
+                                        </p:attrNameLst>
+                                      </p:cBhvr>
+                                      <p:to>
+                                        <p:strVal val="visible"/>
+                                      </p:to>
+                                    </p:set>
+                                    <p:animEffect transition="in" filter="fade">
+                                      <p:cBhvr>
+                                        <p:cTn id="7" dur="750"/>
+                                        <p:tgtEl>
+                                          <p:spTgt spid="2"/>
+                                        </p:tgtEl>
+                                      </p:cBhvr>
+                                    </p:animEffect>
+                                    <p:anim calcmode="lin" valueType="num">
+                                      <p:cBhvr>
+                                        <p:cTn id="8" dur="750" fill="hold"/>
+                                        <p:tgtEl>
+                                          <p:spTgt spid="2"/>
+                                        </p:tgtEl>
+                                        <p:attrNameLst>
+                                          <p:attrName>ppt_x</p:attrName>
+                                        </p:attrNameLst>
+                                      </p:cBhvr>
+                                      <p:tavLst>
+                                        <p:tav tm="0">
+                                          <p:val>
+                                            <p:strVal val="#ppt_x"/>
+                                          </p:val>
+                                        </p:tav>
+                                        <p:tav tm="100000">
+                                          <p:val>
+                                            <p:strVal val="#ppt_x"/>
+                                          </p:val>
+                                        </p:tav>
+                                      </p:tavLst>
+                                    </p:anim>
+                                    <p:anim calcmode="lin" valueType="num">
+                                      <p:cBhvr>
+                                        <p:cTn id="9" dur="750" fill="hold"/>
+                                        <p:tgtEl>
+                                          <p:spTgt spid="2"/>
+                                        </p:tgtEl>
+                                        <p:attrNameLst>
+                                          <p:attrName>ppt_y</p:attrName>
+                                        </p:attrNameLst>
+                                      </p:cBhvr>
+                                      <p:tavLst>
+                                        <p:tav tm="0">
+                                          <p:val>
+                                            <p:strVal val="#ppt_y+.1"/>
+                                          </p:val>
+                                        </p:tav>
+                                        <p:tav tm="100000">
+                                          <p:val>
+                                            <p:strVal val="#ppt_y"/>
+                                          </p:val>
+                                        </p:tav>
+                                      </p:tavLst>
+                                    </p:anim>
+                                  </p:childTnLst>
+                                </p:cTn>
+                              </p:par>
+                            </p:childTnLst>
+                          </p:cTn>
+                        </p:par>
+                      </p:childTnLst>
+                    </p:cTn>
+                  </p:par>
+                  <p:par>
+                    <p:cTn id="10" fill="hold">
+                      <p:stCondLst>
+                        <p:cond delay="indefinite"/>
+                      </p:stCondLst>
+                      <p:childTnLst>
+                        <p:par>
+                          <p:cTn id="11" fill="hold">
+                            <p:stCondLst>
+                              <p:cond delay="0"/>
+                            </p:stCondLst>
+                            <p:childTnLst>
+                              <p:par>
+                                <p:cTn id="12" presetID="42" presetClass="entr" presetSubtype="0" fill="hold" nodeType="clickEffect">
+                                  <p:stCondLst>
+                                    <p:cond delay="0"/>
+                                  </p:stCondLst>
+                                  <p:childTnLst>
+                                    <p:set>
+                                      <p:cBhvr>
+                                        <p:cTn id="13" dur="1" fill="hold">
+                                          <p:stCondLst>
+                                            <p:cond delay="0"/>
+                                          </p:stCondLst>
+                                        </p:cTn>
+                                        <p:tgtEl>
+                                          <p:spTgt spid="3"/>
+                                        </p:tgtEl>
+                                        <p:attrNameLst>
+                                          <p:attrName>style.visibility</p:attrName>
+                                        </p:attrNameLst>
+                                      </p:cBhvr>
+                                      <p:to>
+                                        <p:strVal val="visible"/>
+                                      </p:to>
+                                    </p:set>
+                                    <p:animEffect transition="in" filter="fade">
+                                      <p:cBhvr>
+                                        <p:cTn id="14" dur="750"/>
+                                        <p:tgtEl>
+                                          <p:spTgt spid="3"/>
+                                        </p:tgtEl>
+                                      </p:cBhvr>
+                                    </p:animEffect>
+                                    <p:anim calcmode="lin" valueType="num">
+                                      <p:cBhvr>
+                                        <p:cTn id="15" dur="750" fill="hold"/>
+                                        <p:tgtEl>
+                                          <p:spTgt spid="3"/>
+                                        </p:tgtEl>
+                                        <p:attrNameLst>
+                                          <p:attrName>ppt_x</p:attrName>
+                                        </p:attrNameLst>
+                                      </p:cBhvr>
+                                      <p:tavLst>
+                                        <p:tav tm="0">
+                                          <p:val>
+                                            <p:strVal val="#ppt_x"/>
+                                          </p:val>
+                                        </p:tav>
+                                        <p:tav tm="100000">
+                                          <p:val>
+                                            <p:strVal val="#ppt_x"/>
+                                          </p:val>
+                                        </p:tav>
+                                      </p:tavLst>
+                                    </p:anim>
+                                    <p:anim calcmode="lin" valueType="num">
+                                      <p:cBhvr>
+                                        <p:cTn id="16" dur="750" fill="hold"/>
+                                        <p:tgtEl>
+                                          <p:spTgt spid="3"/>
+                                        </p:tgtEl>
+                                        <p:attrNameLst>
+                                          <p:attrName>ppt_y</p:attrName>
+                                        </p:attrNameLst>
+                                      </p:cBhvr>
+                                      <p:tavLst>
+                                        <p:tav tm="0">
+                                          <p:val>
+                                            <p:strVal val="#ppt_y+.1"/>
+                                          </p:val>
+                                        </p:tav>
+                                        <p:tav tm="100000">
+                                          <p:val>
+                                            <p:strVal val="#ppt_y"/>
+                                          </p:val>
+                                        </p:tav>
+                                      </p:tavLst>
+                                    </p:anim>
+                                  </p:childTnLst>
+                                </p:cTn>
+                              </p:par>
+                            </p:childTnLst>
+                          </p:cTn>
+                        </p:par>
+                      </p:childTnLst>
+                    </p:cTn>
+                  </p:par>
+                  <p:par>
+                    <p:cTn id="17" fill="hold">
+                      <p:stCondLst>
+                        <p:cond delay="indefinite"/>
+                      </p:stCondLst>
+                      <p:childTnLst>
+                        <p:par>
+                          <p:cTn id="18" fill="hold">
+                            <p:stCondLst>
+                              <p:cond delay="0"/>
+                            </p:stCondLst>
+                            <p:childTnLst>
+                              <p:par>
+                                <p:cTn id="19" presetID="42" presetClass="entr" presetSubtype="0" fill="hold" nodeType="clickEffect">
+                                  <p:stCondLst>
+                                    <p:cond delay="0"/>
+                                  </p:stCondLst>
+                                  <p:childTnLst>
+                                    <p:set>
+                                      <p:cBhvr>
+                                        <p:cTn id="20" dur="1" fill="hold">
+                                          <p:stCondLst>
+                                            <p:cond delay="0"/>
+                                          </p:stCondLst>
+                                        </p:cTn>
+                                        <p:tgtEl>
+                                          <p:spTgt spid="7"/>
+                                        </p:tgtEl>
+                                        <p:attrNameLst>
+                                          <p:attrName>style.visibility</p:attrName>
+                                        </p:attrNameLst>
+                                      </p:cBhvr>
+                                      <p:to>
+                                        <p:strVal val="visible"/>
+                                      </p:to>
+                                    </p:set>
+                                    <p:animEffect transition="in" filter="fade">
+                                      <p:cBhvr>
+                                        <p:cTn id="21" dur="750"/>
+                                        <p:tgtEl>
+                                          <p:spTgt spid="7"/>
+                                        </p:tgtEl>
+                                      </p:cBhvr>
+                                    </p:animEffect>
+                                    <p:anim calcmode="lin" valueType="num">
+                                      <p:cBhvr>
+                                        <p:cTn id="22" dur="750" fill="hold"/>
+                                        <p:tgtEl>
+                                          <p:spTgt spid="7"/>
+                                        </p:tgtEl>
+                                        <p:attrNameLst>
+                                          <p:attrName>ppt_x</p:attrName>
+                                        </p:attrNameLst>
+                                      </p:cBhvr>
+                                      <p:tavLst>
+                                        <p:tav tm="0">
+                                          <p:val>
+                                            <p:strVal val="#ppt_x"/>
+                                          </p:val>
+                                        </p:tav>
+                                        <p:tav tm="100000">
+                                          <p:val>
+                                            <p:strVal val="#ppt_x"/>
+                                          </p:val>
+                                        </p:tav>
+                                      </p:tavLst>
+                                    </p:anim>
+                                    <p:anim calcmode="lin" valueType="num">
+                                      <p:cBhvr>
+                                        <p:cTn id="23" dur="750" fill="hold"/>
+                                        <p:tgtEl>
+                                          <p:spTgt spid="7"/>
+                                        </p:tgtEl>
+                                        <p:attrNameLst>
+                                          <p:attrName>ppt_y</p:attrName>
+                                        </p:attrNameLst>
+                                      </p:cBhvr>
+                                      <p:tavLst>
+                                        <p:tav tm="0">
+                                          <p:val>
+                                            <p:strVal val="#ppt_y+.1"/>
+                                          </p:val>
+                                        </p:tav>
+                                        <p:tav tm="100000">
+                                          <p:val>
+                                            <p:strVal val="#ppt_y"/>
+                                          </p:val>
+                                        </p:tav>
+                                      </p:tavLst>
+                                    </p:anim>
+                                  </p:childTnLst>
+                                </p:cTn>
+                              </p:par>
+                            </p:childTnLst>
+                          </p:cTn>
+                        </p:par>
+                      </p:childTnLst>
+                    </p:cTn>
+                  </p:par>
+                  <p:par>
+                    <p:cTn id="24" fill="hold">
+                      <p:stCondLst>
+                        <p:cond delay="indefinite"/>
+                      </p:stCondLst>
+                      <p:childTnLst>
+                        <p:par>
+                          <p:cTn id="25" fill="hold">
+                            <p:stCondLst>
+                              <p:cond delay="0"/>
+                            </p:stCondLst>
+                            <p:childTnLst>
+                              <p:par>
+                                <p:cTn id="26" presetID="42" presetClass="entr" presetSubtype="0" fill="hold" nodeType="clickEffect">
+                                  <p:stCondLst>
+                                    <p:cond delay="0"/>
+                                  </p:stCondLst>
+                                  <p:childTnLst>
+                                    <p:set>
+                                      <p:cBhvr>
+                                        <p:cTn id="27" dur="1" fill="hold">
+                                          <p:stCondLst>
+                                            <p:cond delay="0"/>
+                                          </p:stCondLst>
+                                        </p:cTn>
+                                        <p:tgtEl>
+                                          <p:spTgt spid="9"/>
+                                        </p:tgtEl>
+                                        <p:attrNameLst>
+                                          <p:attrName>style.visibility</p:attrName>
+                                        </p:attrNameLst>
+                                      </p:cBhvr>
+                                      <p:to>
+                                        <p:strVal val="visible"/>
+                                      </p:to>
+                                    </p:set>
+                                    <p:animEffect transition="in" filter="fade">
+                                      <p:cBhvr>
+                                        <p:cTn id="28" dur="750"/>
+                                        <p:tgtEl>
+                                          <p:spTgt spid="9"/>
+                                        </p:tgtEl>
+                                      </p:cBhvr>
+                                    </p:animEffect>
+                                    <p:anim calcmode="lin" valueType="num">
+                                      <p:cBhvr>
+                                        <p:cTn id="29" dur="750" fill="hold"/>
+                                        <p:tgtEl>
+                                          <p:spTgt spid="9"/>
+                                        </p:tgtEl>
+                                        <p:attrNameLst>
+                                          <p:attrName>ppt_x</p:attrName>
+                                        </p:attrNameLst>
+                                      </p:cBhvr>
+                                      <p:tavLst>
+                                        <p:tav tm="0">
+                                          <p:val>
+                                            <p:strVal val="#ppt_x"/>
+                                          </p:val>
+                                        </p:tav>
+                                        <p:tav tm="100000">
+                                          <p:val>
+                                            <p:strVal val="#ppt_x"/>
+                                          </p:val>
+                                        </p:tav>
+                                      </p:tavLst>
+                                    </p:anim>
+                                    <p:anim calcmode="lin" valueType="num">
+                                      <p:cBhvr>
+                                        <p:cTn id="30" dur="750" fill="hold"/>
+                                        <p:tgtEl>
+                                          <p:spTgt spid="9"/>
+                                        </p:tgtEl>
+                                        <p:attrNameLst>
+                                          <p:attrName>ppt_y</p:attrName>
+                                        </p:attrNameLst>
+                                      </p:cBhvr>
+                                      <p:tavLst>
+                                        <p:tav tm="0">
+                                          <p:val>
+                                            <p:strVal val="#ppt_y+.1"/>
+                                          </p:val>
+                                        </p:tav>
+                                        <p:tav tm="100000">
+                                          <p:val>
+                                            <p:strVal val="#ppt_y"/>
+                                          </p:val>
+                                        </p:tav>
+                                      </p:tavLst>
+                                    </p:anim>
+                                  </p:childTnLst>
+                                </p:cTn>
+                              </p:par>
+                            </p:childTnLst>
+                          </p:cTn>
+                        </p:par>
+                      </p:childTnLst>
+                    </p:cTn>
+                  </p:par>
+                </p:childTnLst>
+              </p:cTn>
+              <p:prevCondLst>
+                <p:cond evt="onPrev" delay="0">
+                  <p:tgtEl>
+                    <p:sldTgt/>
+                  </p:tgtEl>
+                </p:cond>
+              </p:prevCondLst>
+              <p:nextCondLst>
+                <p:cond evt="onNext" delay="0">
+                  <p:tgtEl>
+                    <p:sldTgt/>
+                  </p:tgtEl>
+                </p:cond>
+              </p:nextCondLst>
+            </p:seq>
+          </p:childTnLst>
+        </p:cTn>
+      </p:par>
+    </p:tnLst>
+  </p:timing>
+</p:sld>
+</file>
+
+<file path=ppt/slides/slide8.xml><?xml version="1.0" encoding="utf-8"?>
+<p:sld xmlns:a="http://schemas.openxmlformats.org/drawingml/2006/main" xmlns:r="http://schemas.openxmlformats.org/officeDocument/2006/relationships" xmlns:p="http://schemas.openxmlformats.org/presentationml/2006/main">
+  <p:cSld>
+    <p:spTree>
+      <p:nvGrpSpPr>
+        <p:cNvPr id="1" name=""/>
+        <p:cNvGrpSpPr/>
+        <p:nvPr/>
+      </p:nvGrpSpPr>
+      <p:grpSpPr>
+        <a:xfrm>
+          <a:off x="0" y="0"/>
+          <a:ext cx="0" cy="0"/>
+          <a:chOff x="0" y="0"/>
+          <a:chExt cx="0" cy="0"/>
+        </a:xfrm>
+      </p:grpSpPr>
+      <p:pic>
+        <p:nvPicPr>
+          <p:cNvPr id="4" name="Picture 3"/>
+          <p:cNvPicPr>
+            <a:picLocks noChangeAspect="1"/>
+          </p:cNvPicPr>
+          <p:nvPr/>
+        </p:nvPicPr>
+        <p:blipFill>
+          <a:blip r:embed="rId2" cstate="print">
+            <a:extLst>
+              <a:ext uri="{28A0092B-C50C-407E-A947-70E740481C1C}">
+                <a14:useLocalDpi xmlns:a14="http://schemas.microsoft.com/office/drawing/2010/main" val="0"/>
+              </a:ext>
+            </a:extLst>
+          </a:blip>
+          <a:stretch>
+            <a:fillRect/>
+          </a:stretch>
+        </p:blipFill>
+        <p:spPr>
+          <a:xfrm>
+            <a:off x="195942" y="6248400"/>
+            <a:ext cx="457200" cy="457200"/>
+          </a:xfrm>
+          <a:prstGeom prst="rect">
+            <a:avLst/>
+          </a:prstGeom>
+        </p:spPr>
+      </p:pic>
+      <p:sp>
+        <p:nvSpPr>
+          <p:cNvPr id="5" name="TextBox 4"/>
+          <p:cNvSpPr txBox="1"/>
+          <p:nvPr/>
+        </p:nvSpPr>
+        <p:spPr>
+          <a:xfrm>
+            <a:off x="673319" y="6323111"/>
+            <a:ext cx="1250732" cy="307777"/>
+          </a:xfrm>
+          <a:prstGeom prst="rect">
+            <a:avLst/>
+          </a:prstGeom>
+          <a:noFill/>
+        </p:spPr>
+        <p:txBody>
+          <a:bodyPr wrap="square" rtlCol="0">
+            <a:spAutoFit/>
+          </a:bodyPr>
+          <a:lstStyle/>
+          <a:p>
+            <a:r>
+              <a:rPr lang="en-US" sz="1400" b="1" dirty="0" err="1" smtClean="0">
+                <a:solidFill>
+                  <a:prstClr val="black"/>
+                </a:solidFill>
+              </a:rPr>
+              <a:t>Jobpef</a:t>
+            </a:r>
+            <a:r>
+              <a:rPr lang="en-US" sz="1400" b="1" dirty="0" smtClean="0">
+                <a:solidFill>
+                  <a:prstClr val="black"/>
+                </a:solidFill>
+              </a:rPr>
+              <a:t> Team</a:t>
+            </a:r>
+            <a:endParaRPr lang="en-US" sz="1400" b="1" dirty="0">
+              <a:solidFill>
+                <a:prstClr val="black"/>
+              </a:solidFill>
+            </a:endParaRPr>
+          </a:p>
+        </p:txBody>
+      </p:sp>
+      <p:sp>
+        <p:nvSpPr>
+          <p:cNvPr id="8" name="TextBox 7"/>
+          <p:cNvSpPr txBox="1"/>
+          <p:nvPr/>
+        </p:nvSpPr>
+        <p:spPr>
+          <a:xfrm>
+            <a:off x="1298685" y="228600"/>
+            <a:ext cx="7007115" cy="523220"/>
+          </a:xfrm>
+          <a:prstGeom prst="rect">
+            <a:avLst/>
+          </a:prstGeom>
+          <a:noFill/>
+        </p:spPr>
+        <p:txBody>
+          <a:bodyPr wrap="square" rtlCol="0">
+            <a:spAutoFit/>
+          </a:bodyPr>
+          <a:lstStyle/>
+          <a:p>
+            <a:pPr algn="ctr"/>
+            <a:r>
+              <a:rPr lang="en-US" sz="2800" b="1" dirty="0" err="1" smtClean="0">
+                <a:solidFill>
+                  <a:srgbClr val="4F81BD">
+                    <a:lumMod val="50000"/>
+                  </a:srgbClr>
+                </a:solidFill>
+                <a:latin typeface="Tahoma" panose="020B0604030504040204" pitchFamily="34" charset="0"/>
+                <a:ea typeface="Tahoma" panose="020B0604030504040204" pitchFamily="34" charset="0"/>
+                <a:cs typeface="Tahoma" panose="020B0604030504040204" pitchFamily="34" charset="0"/>
+              </a:rPr>
+              <a:t>Đăng</a:t>
+            </a:r>
+            <a:r>
+              <a:rPr lang="en-US" sz="2800" b="1" dirty="0" smtClean="0">
+                <a:solidFill>
+                  <a:srgbClr val="4F81BD">
+                    <a:lumMod val="50000"/>
+                  </a:srgbClr>
+                </a:solidFill>
+                <a:latin typeface="Tahoma" panose="020B0604030504040204" pitchFamily="34" charset="0"/>
+                <a:ea typeface="Tahoma" panose="020B0604030504040204" pitchFamily="34" charset="0"/>
+                <a:cs typeface="Tahoma" panose="020B0604030504040204" pitchFamily="34" charset="0"/>
+              </a:rPr>
+              <a:t> tin </a:t>
+            </a:r>
+            <a:r>
+              <a:rPr lang="en-US" sz="2800" b="1" dirty="0" err="1" smtClean="0">
+                <a:solidFill>
+                  <a:srgbClr val="4F81BD">
+                    <a:lumMod val="50000"/>
+                  </a:srgbClr>
+                </a:solidFill>
+                <a:latin typeface="Tahoma" panose="020B0604030504040204" pitchFamily="34" charset="0"/>
+                <a:ea typeface="Tahoma" panose="020B0604030504040204" pitchFamily="34" charset="0"/>
+                <a:cs typeface="Tahoma" panose="020B0604030504040204" pitchFamily="34" charset="0"/>
+              </a:rPr>
+              <a:t>và</a:t>
+            </a:r>
+            <a:r>
+              <a:rPr lang="en-US" sz="2800" b="1" dirty="0" smtClean="0">
+                <a:solidFill>
+                  <a:srgbClr val="4F81BD">
+                    <a:lumMod val="50000"/>
+                  </a:srgbClr>
+                </a:solidFill>
+                <a:latin typeface="Tahoma" panose="020B0604030504040204" pitchFamily="34" charset="0"/>
+                <a:ea typeface="Tahoma" panose="020B0604030504040204" pitchFamily="34" charset="0"/>
+                <a:cs typeface="Tahoma" panose="020B0604030504040204" pitchFamily="34" charset="0"/>
+              </a:rPr>
+              <a:t> </a:t>
+            </a:r>
+            <a:r>
+              <a:rPr lang="en-US" sz="2800" b="1" dirty="0" err="1" smtClean="0">
+                <a:solidFill>
+                  <a:srgbClr val="4F81BD">
+                    <a:lumMod val="50000"/>
+                  </a:srgbClr>
+                </a:solidFill>
+                <a:latin typeface="Tahoma" panose="020B0604030504040204" pitchFamily="34" charset="0"/>
+                <a:ea typeface="Tahoma" panose="020B0604030504040204" pitchFamily="34" charset="0"/>
+                <a:cs typeface="Tahoma" panose="020B0604030504040204" pitchFamily="34" charset="0"/>
+              </a:rPr>
+              <a:t>một</a:t>
+            </a:r>
+            <a:r>
+              <a:rPr lang="en-US" sz="2800" b="1" dirty="0" smtClean="0">
+                <a:solidFill>
+                  <a:srgbClr val="4F81BD">
+                    <a:lumMod val="50000"/>
+                  </a:srgbClr>
+                </a:solidFill>
+                <a:latin typeface="Tahoma" panose="020B0604030504040204" pitchFamily="34" charset="0"/>
+                <a:ea typeface="Tahoma" panose="020B0604030504040204" pitchFamily="34" charset="0"/>
+                <a:cs typeface="Tahoma" panose="020B0604030504040204" pitchFamily="34" charset="0"/>
+              </a:rPr>
+              <a:t> </a:t>
+            </a:r>
+            <a:r>
+              <a:rPr lang="en-US" sz="2800" b="1" dirty="0" err="1" smtClean="0">
+                <a:solidFill>
+                  <a:srgbClr val="4F81BD">
+                    <a:lumMod val="50000"/>
+                  </a:srgbClr>
+                </a:solidFill>
+                <a:latin typeface="Tahoma" panose="020B0604030504040204" pitchFamily="34" charset="0"/>
+                <a:ea typeface="Tahoma" panose="020B0604030504040204" pitchFamily="34" charset="0"/>
+                <a:cs typeface="Tahoma" panose="020B0604030504040204" pitchFamily="34" charset="0"/>
+              </a:rPr>
+              <a:t>số</a:t>
+            </a:r>
+            <a:r>
+              <a:rPr lang="en-US" sz="2800" b="1" dirty="0" smtClean="0">
+                <a:solidFill>
+                  <a:srgbClr val="4F81BD">
+                    <a:lumMod val="50000"/>
+                  </a:srgbClr>
+                </a:solidFill>
+                <a:latin typeface="Tahoma" panose="020B0604030504040204" pitchFamily="34" charset="0"/>
+                <a:ea typeface="Tahoma" panose="020B0604030504040204" pitchFamily="34" charset="0"/>
+                <a:cs typeface="Tahoma" panose="020B0604030504040204" pitchFamily="34" charset="0"/>
+              </a:rPr>
+              <a:t> </a:t>
+            </a:r>
+            <a:r>
+              <a:rPr lang="en-US" sz="2800" b="1" dirty="0" err="1" smtClean="0">
+                <a:solidFill>
+                  <a:srgbClr val="4F81BD">
+                    <a:lumMod val="50000"/>
+                  </a:srgbClr>
+                </a:solidFill>
+                <a:latin typeface="Tahoma" panose="020B0604030504040204" pitchFamily="34" charset="0"/>
+                <a:ea typeface="Tahoma" panose="020B0604030504040204" pitchFamily="34" charset="0"/>
+                <a:cs typeface="Tahoma" panose="020B0604030504040204" pitchFamily="34" charset="0"/>
+              </a:rPr>
+              <a:t>chức</a:t>
+            </a:r>
+            <a:r>
+              <a:rPr lang="en-US" sz="2800" b="1" dirty="0" smtClean="0">
+                <a:solidFill>
+                  <a:srgbClr val="4F81BD">
+                    <a:lumMod val="50000"/>
+                  </a:srgbClr>
+                </a:solidFill>
+                <a:latin typeface="Tahoma" panose="020B0604030504040204" pitchFamily="34" charset="0"/>
+                <a:ea typeface="Tahoma" panose="020B0604030504040204" pitchFamily="34" charset="0"/>
+                <a:cs typeface="Tahoma" panose="020B0604030504040204" pitchFamily="34" charset="0"/>
+              </a:rPr>
+              <a:t> </a:t>
+            </a:r>
+            <a:r>
+              <a:rPr lang="en-US" sz="2800" b="1" dirty="0" err="1" smtClean="0">
+                <a:solidFill>
+                  <a:srgbClr val="4F81BD">
+                    <a:lumMod val="50000"/>
+                  </a:srgbClr>
+                </a:solidFill>
+                <a:latin typeface="Tahoma" panose="020B0604030504040204" pitchFamily="34" charset="0"/>
+                <a:ea typeface="Tahoma" panose="020B0604030504040204" pitchFamily="34" charset="0"/>
+                <a:cs typeface="Tahoma" panose="020B0604030504040204" pitchFamily="34" charset="0"/>
+              </a:rPr>
+              <a:t>năng</a:t>
+            </a:r>
+            <a:r>
+              <a:rPr lang="en-US" sz="2800" b="1" dirty="0" smtClean="0">
+                <a:solidFill>
+                  <a:srgbClr val="4F81BD">
+                    <a:lumMod val="50000"/>
+                  </a:srgbClr>
+                </a:solidFill>
+                <a:latin typeface="Tahoma" panose="020B0604030504040204" pitchFamily="34" charset="0"/>
+                <a:ea typeface="Tahoma" panose="020B0604030504040204" pitchFamily="34" charset="0"/>
+                <a:cs typeface="Tahoma" panose="020B0604030504040204" pitchFamily="34" charset="0"/>
+              </a:rPr>
+              <a:t> </a:t>
+            </a:r>
+            <a:r>
+              <a:rPr lang="en-US" sz="2800" b="1" dirty="0" err="1" smtClean="0">
+                <a:solidFill>
+                  <a:srgbClr val="4F81BD">
+                    <a:lumMod val="50000"/>
+                  </a:srgbClr>
+                </a:solidFill>
+                <a:latin typeface="Tahoma" panose="020B0604030504040204" pitchFamily="34" charset="0"/>
+                <a:ea typeface="Tahoma" panose="020B0604030504040204" pitchFamily="34" charset="0"/>
+                <a:cs typeface="Tahoma" panose="020B0604030504040204" pitchFamily="34" charset="0"/>
+              </a:rPr>
+              <a:t>khác</a:t>
+            </a:r>
+            <a:r>
+              <a:rPr lang="en-US" sz="2800" b="1" dirty="0" smtClean="0">
+                <a:solidFill>
+                  <a:srgbClr val="4F81BD">
+                    <a:lumMod val="50000"/>
+                  </a:srgbClr>
+                </a:solidFill>
+                <a:latin typeface="Tahoma" panose="020B0604030504040204" pitchFamily="34" charset="0"/>
+                <a:ea typeface="Tahoma" panose="020B0604030504040204" pitchFamily="34" charset="0"/>
+                <a:cs typeface="Tahoma" panose="020B0604030504040204" pitchFamily="34" charset="0"/>
+              </a:rPr>
+              <a:t>:</a:t>
+            </a:r>
+            <a:endParaRPr lang="en-US" sz="2800" b="1" dirty="0">
+              <a:solidFill>
+                <a:srgbClr val="4F81BD">
+                  <a:lumMod val="50000"/>
+                </a:srgbClr>
+              </a:solidFill>
+              <a:latin typeface="Tahoma" panose="020B0604030504040204" pitchFamily="34" charset="0"/>
+              <a:ea typeface="Tahoma" panose="020B0604030504040204" pitchFamily="34" charset="0"/>
+              <a:cs typeface="Tahoma" panose="020B0604030504040204" pitchFamily="34" charset="0"/>
+            </a:endParaRPr>
+          </a:p>
+        </p:txBody>
+      </p:sp>
+      <p:pic>
+        <p:nvPicPr>
+          <p:cNvPr id="6" name="Picture 5"/>
+          <p:cNvPicPr>
+            <a:picLocks noChangeAspect="1"/>
+          </p:cNvPicPr>
+          <p:nvPr/>
+        </p:nvPicPr>
+        <p:blipFill>
+          <a:blip r:embed="rId3">
+            <a:extLst>
+              <a:ext uri="{28A0092B-C50C-407E-A947-70E740481C1C}">
+                <a14:useLocalDpi xmlns:a14="http://schemas.microsoft.com/office/drawing/2010/main" val="0"/>
+              </a:ext>
+            </a:extLst>
+          </a:blip>
+          <a:stretch>
+            <a:fillRect/>
+          </a:stretch>
+        </p:blipFill>
+        <p:spPr>
+          <a:xfrm>
+            <a:off x="1900403" y="1676400"/>
+            <a:ext cx="1653403" cy="3442137"/>
+          </a:xfrm>
+          <a:prstGeom prst="rect">
+            <a:avLst/>
+          </a:prstGeom>
+        </p:spPr>
+      </p:pic>
+      <p:pic>
+        <p:nvPicPr>
+          <p:cNvPr id="9" name="Picture 8"/>
+          <p:cNvPicPr>
+            <a:picLocks noChangeAspect="1"/>
+          </p:cNvPicPr>
+          <p:nvPr/>
+        </p:nvPicPr>
+        <p:blipFill>
+          <a:blip r:embed="rId4">
+            <a:extLst>
+              <a:ext uri="{28A0092B-C50C-407E-A947-70E740481C1C}">
+                <a14:useLocalDpi xmlns:a14="http://schemas.microsoft.com/office/drawing/2010/main" val="0"/>
+              </a:ext>
+            </a:extLst>
+          </a:blip>
+          <a:stretch>
+            <a:fillRect/>
+          </a:stretch>
+        </p:blipFill>
+        <p:spPr>
+          <a:xfrm>
+            <a:off x="4495799" y="1718302"/>
+            <a:ext cx="1682057" cy="3358332"/>
+          </a:xfrm>
+          <a:prstGeom prst="rect">
+            <a:avLst/>
+          </a:prstGeom>
+        </p:spPr>
+      </p:pic>
+    </p:spTree>
+    <p:extLst>
+      <p:ext uri="{BB962C8B-B14F-4D97-AF65-F5344CB8AC3E}">
+        <p14:creationId xmlns:p14="http://schemas.microsoft.com/office/powerpoint/2010/main" val="1315869608"/>
+      </p:ext>
+    </p:extLst>
+  </p:cSld>
+  <p:clrMapOvr>
+    <a:masterClrMapping/>
+  </p:clrMapOvr>
+  <p:timing>
+    <p:tnLst>
+      <p:par>
+        <p:cTn id="1" dur="indefinite" restart="never" nodeType="tmRoot">
+          <p:childTnLst>
+            <p:seq concurrent="1" nextAc="seek">
+              <p:cTn id="2" dur="indefinite" nodeType="mainSeq">
+                <p:childTnLst>
+                  <p:par>
+                    <p:cTn id="3" fill="hold">
+                      <p:stCondLst>
+                        <p:cond delay="indefinite"/>
+                      </p:stCondLst>
+                      <p:childTnLst>
+                        <p:par>
+                          <p:cTn id="4" fill="hold">
+                            <p:stCondLst>
+                              <p:cond delay="0"/>
+                            </p:stCondLst>
+                            <p:childTnLst>
+                              <p:par>
+                                <p:cTn id="5" presetID="42" presetClass="entr" presetSubtype="0" fill="hold" nodeType="clickEffect">
+                                  <p:stCondLst>
+                                    <p:cond delay="0"/>
+                                  </p:stCondLst>
+                                  <p:childTnLst>
+                                    <p:set>
+                                      <p:cBhvr>
+                                        <p:cTn id="6" dur="1" fill="hold">
+                                          <p:stCondLst>
+                                            <p:cond delay="0"/>
+                                          </p:stCondLst>
+                                        </p:cTn>
+                                        <p:tgtEl>
+                                          <p:spTgt spid="6"/>
+                                        </p:tgtEl>
+                                        <p:attrNameLst>
+                                          <p:attrName>style.visibility</p:attrName>
+                                        </p:attrNameLst>
+                                      </p:cBhvr>
+                                      <p:to>
+                                        <p:strVal val="visible"/>
+                                      </p:to>
+                                    </p:set>
+                                    <p:animEffect transition="in" filter="fade">
+                                      <p:cBhvr>
+                                        <p:cTn id="7" dur="2000"/>
+                                        <p:tgtEl>
+                                          <p:spTgt spid="6"/>
+                                        </p:tgtEl>
+                                      </p:cBhvr>
+                                    </p:animEffect>
+                                    <p:anim calcmode="lin" valueType="num">
+                                      <p:cBhvr>
+                                        <p:cTn id="8" dur="2000" fill="hold"/>
+                                        <p:tgtEl>
+                                          <p:spTgt spid="6"/>
+                                        </p:tgtEl>
+                                        <p:attrNameLst>
+                                          <p:attrName>ppt_x</p:attrName>
+                                        </p:attrNameLst>
+                                      </p:cBhvr>
+                                      <p:tavLst>
+                                        <p:tav tm="0">
+                                          <p:val>
+                                            <p:strVal val="#ppt_x"/>
+                                          </p:val>
+                                        </p:tav>
+                                        <p:tav tm="100000">
+                                          <p:val>
+                                            <p:strVal val="#ppt_x"/>
+                                          </p:val>
+                                        </p:tav>
+                                      </p:tavLst>
+                                    </p:anim>
+                                    <p:anim calcmode="lin" valueType="num">
+                                      <p:cBhvr>
+                                        <p:cTn id="9" dur="2000" fill="hold"/>
+                                        <p:tgtEl>
+                                          <p:spTgt spid="6"/>
+                                        </p:tgtEl>
+                                        <p:attrNameLst>
+                                          <p:attrName>ppt_y</p:attrName>
+                                        </p:attrNameLst>
+                                      </p:cBhvr>
+                                      <p:tavLst>
+                                        <p:tav tm="0">
+                                          <p:val>
+                                            <p:strVal val="#ppt_y+.1"/>
+                                          </p:val>
+                                        </p:tav>
+                                        <p:tav tm="100000">
+                                          <p:val>
+                                            <p:strVal val="#ppt_y"/>
+                                          </p:val>
+                                        </p:tav>
+                                      </p:tavLst>
+                                    </p:anim>
+                                  </p:childTnLst>
+                                </p:cTn>
+                              </p:par>
+                            </p:childTnLst>
+                          </p:cTn>
+                        </p:par>
+                      </p:childTnLst>
+                    </p:cTn>
+                  </p:par>
+                  <p:par>
+                    <p:cTn id="10" fill="hold">
+                      <p:stCondLst>
+                        <p:cond delay="indefinite"/>
+                      </p:stCondLst>
+                      <p:childTnLst>
+                        <p:par>
+                          <p:cTn id="11" fill="hold">
+                            <p:stCondLst>
+                              <p:cond delay="0"/>
+                            </p:stCondLst>
+                            <p:childTnLst>
+                              <p:par>
+                                <p:cTn id="12" presetID="42" presetClass="entr" presetSubtype="0" fill="hold" nodeType="clickEffect">
+                                  <p:stCondLst>
+                                    <p:cond delay="0"/>
+                                  </p:stCondLst>
+                                  <p:childTnLst>
+                                    <p:set>
+                                      <p:cBhvr>
+                                        <p:cTn id="13" dur="1" fill="hold">
+                                          <p:stCondLst>
+                                            <p:cond delay="0"/>
+                                          </p:stCondLst>
+                                        </p:cTn>
+                                        <p:tgtEl>
+                                          <p:spTgt spid="9"/>
+                                        </p:tgtEl>
+                                        <p:attrNameLst>
+                                          <p:attrName>style.visibility</p:attrName>
+                                        </p:attrNameLst>
+                                      </p:cBhvr>
+                                      <p:to>
+                                        <p:strVal val="visible"/>
+                                      </p:to>
+                                    </p:set>
+                                    <p:animEffect transition="in" filter="fade">
+                                      <p:cBhvr>
+                                        <p:cTn id="14" dur="2000"/>
+                                        <p:tgtEl>
+                                          <p:spTgt spid="9"/>
+                                        </p:tgtEl>
+                                      </p:cBhvr>
+                                    </p:animEffect>
+                                    <p:anim calcmode="lin" valueType="num">
+                                      <p:cBhvr>
+                                        <p:cTn id="15" dur="2000" fill="hold"/>
+                                        <p:tgtEl>
+                                          <p:spTgt spid="9"/>
+                                        </p:tgtEl>
+                                        <p:attrNameLst>
+                                          <p:attrName>ppt_x</p:attrName>
+                                        </p:attrNameLst>
+                                      </p:cBhvr>
+                                      <p:tavLst>
+                                        <p:tav tm="0">
+                                          <p:val>
+                                            <p:strVal val="#ppt_x"/>
+                                          </p:val>
+                                        </p:tav>
+                                        <p:tav tm="100000">
+                                          <p:val>
+                                            <p:strVal val="#ppt_x"/>
+                                          </p:val>
+                                        </p:tav>
+                                      </p:tavLst>
+                                    </p:anim>
+                                    <p:anim calcmode="lin" valueType="num">
+                                      <p:cBhvr>
+                                        <p:cTn id="16" dur="2000" fill="hold"/>
+                                        <p:tgtEl>
+                                          <p:spTgt spid="9"/>
+                                        </p:tgtEl>
+                                        <p:attrNameLst>
+                                          <p:attrName>ppt_y</p:attrName>
+                                        </p:attrNameLst>
+                                      </p:cBhvr>
+                                      <p:tavLst>
+                                        <p:tav tm="0">
+                                          <p:val>
+                                            <p:strVal val="#ppt_y+.1"/>
+                                          </p:val>
+                                        </p:tav>
+                                        <p:tav tm="100000">
+                                          <p:val>
+                                            <p:strVal val="#ppt_y"/>
+                                          </p:val>
+                                        </p:tav>
+                                      </p:tavLst>
+                                    </p:anim>
+                                  </p:childTnLst>
+                                </p:cTn>
+                              </p:par>
+                            </p:childTnLst>
+                          </p:cTn>
+                        </p:par>
+                      </p:childTnLst>
+                    </p:cTn>
+                  </p:par>
+                </p:childTnLst>
+              </p:cTn>
+              <p:prevCondLst>
+                <p:cond evt="onPrev" delay="0">
+                  <p:tgtEl>
+                    <p:sldTgt/>
+                  </p:tgtEl>
+                </p:cond>
+              </p:prevCondLst>
+              <p:nextCondLst>
+                <p:cond evt="onNext" delay="0">
+                  <p:tgtEl>
+                    <p:sldTgt/>
+                  </p:tgtEl>
+                </p:cond>
+              </p:nextCondLst>
+            </p:seq>
+          </p:childTnLst>
+        </p:cTn>
+      </p:par>
+    </p:tnLst>
+  </p:timing>
+</p:sld>
+</file>
+
+<file path=ppt/slides/slide9.xml><?xml version="1.0" encoding="utf-8"?>
+<p:sld xmlns:a="http://schemas.openxmlformats.org/drawingml/2006/main" xmlns:r="http://schemas.openxmlformats.org/officeDocument/2006/relationships" xmlns:p="http://schemas.openxmlformats.org/presentationml/2006/main">
+  <p:cSld>
+    <p:spTree>
+      <p:nvGrpSpPr>
+        <p:cNvPr id="1" name=""/>
+        <p:cNvGrpSpPr/>
+        <p:nvPr/>
+      </p:nvGrpSpPr>
+      <p:grpSpPr>
+        <a:xfrm>
+          <a:off x="0" y="0"/>
+          <a:ext cx="0" cy="0"/>
+          <a:chOff x="0" y="0"/>
+          <a:chExt cx="0" cy="0"/>
+        </a:xfrm>
+      </p:grpSpPr>
+      <p:pic>
+        <p:nvPicPr>
+          <p:cNvPr id="4" name="Picture 3"/>
+          <p:cNvPicPr>
+            <a:picLocks noChangeAspect="1"/>
+          </p:cNvPicPr>
+          <p:nvPr/>
+        </p:nvPicPr>
+        <p:blipFill>
+          <a:blip r:embed="rId2" cstate="print">
+            <a:extLst>
+              <a:ext uri="{28A0092B-C50C-407E-A947-70E740481C1C}">
+                <a14:useLocalDpi xmlns:a14="http://schemas.microsoft.com/office/drawing/2010/main" val="0"/>
+              </a:ext>
+            </a:extLst>
+          </a:blip>
+          <a:stretch>
+            <a:fillRect/>
+          </a:stretch>
+        </p:blipFill>
+        <p:spPr>
+          <a:xfrm>
+            <a:off x="195942" y="6248400"/>
+            <a:ext cx="457200" cy="457200"/>
+          </a:xfrm>
+          <a:prstGeom prst="rect">
+            <a:avLst/>
+          </a:prstGeom>
+        </p:spPr>
+      </p:pic>
+      <p:sp>
+        <p:nvSpPr>
+          <p:cNvPr id="5" name="TextBox 4"/>
+          <p:cNvSpPr txBox="1"/>
+          <p:nvPr/>
+        </p:nvSpPr>
+        <p:spPr>
+          <a:xfrm>
+            <a:off x="673319" y="6323111"/>
+            <a:ext cx="1250732" cy="307777"/>
+          </a:xfrm>
+          <a:prstGeom prst="rect">
+            <a:avLst/>
+          </a:prstGeom>
+          <a:noFill/>
+        </p:spPr>
+        <p:txBody>
+          <a:bodyPr wrap="square" rtlCol="0">
+            <a:spAutoFit/>
+          </a:bodyPr>
+          <a:lstStyle/>
+          <a:p>
+            <a:r>
               <a:rPr lang="en-US" sz="1400" b="1" dirty="0" err="1" smtClean="0"/>
               <a:t>Jobpef</a:t>
             </a:r>
@@ -6946,6 +9017,119 @@
               <a:t> Team</a:t>
             </a:r>
             <a:endParaRPr lang="en-US" sz="1400" b="1" dirty="0"/>
+          </a:p>
+        </p:txBody>
+      </p:sp>
+      <p:sp>
+        <p:nvSpPr>
+          <p:cNvPr id="6" name="TextBox 5"/>
+          <p:cNvSpPr txBox="1"/>
+          <p:nvPr/>
+        </p:nvSpPr>
+        <p:spPr>
+          <a:xfrm>
+            <a:off x="2362200" y="1752600"/>
+            <a:ext cx="5105400" cy="2308324"/>
+          </a:xfrm>
+          <a:prstGeom prst="rect">
+            <a:avLst/>
+          </a:prstGeom>
+          <a:noFill/>
+        </p:spPr>
+        <p:txBody>
+          <a:bodyPr wrap="square" rtlCol="0">
+            <a:spAutoFit/>
+          </a:bodyPr>
+          <a:lstStyle/>
+          <a:p>
+            <a:pPr algn="ctr"/>
+            <a:r>
+              <a:rPr lang="en-US" sz="7200" b="1" dirty="0" err="1" smtClean="0">
+                <a:solidFill>
+                  <a:schemeClr val="tx2">
+                    <a:lumMod val="75000"/>
+                  </a:schemeClr>
+                </a:solidFill>
+              </a:rPr>
+              <a:t>Chân</a:t>
+            </a:r>
+            <a:r>
+              <a:rPr lang="en-US" sz="7200" b="1" dirty="0" smtClean="0">
+                <a:solidFill>
+                  <a:schemeClr val="tx2">
+                    <a:lumMod val="75000"/>
+                  </a:schemeClr>
+                </a:solidFill>
+              </a:rPr>
+              <a:t> </a:t>
+            </a:r>
+            <a:r>
+              <a:rPr lang="en-US" sz="7200" b="1" dirty="0" err="1" smtClean="0">
+                <a:solidFill>
+                  <a:schemeClr val="tx2">
+                    <a:lumMod val="75000"/>
+                  </a:schemeClr>
+                </a:solidFill>
+              </a:rPr>
+              <a:t>thành</a:t>
+            </a:r>
+            <a:r>
+              <a:rPr lang="en-US" sz="7200" b="1" dirty="0" smtClean="0">
+                <a:solidFill>
+                  <a:schemeClr val="tx2">
+                    <a:lumMod val="75000"/>
+                  </a:schemeClr>
+                </a:solidFill>
+              </a:rPr>
+              <a:t> </a:t>
+            </a:r>
+            <a:r>
+              <a:rPr lang="en-US" sz="7200" b="1" dirty="0" err="1" smtClean="0">
+                <a:solidFill>
+                  <a:schemeClr val="tx2">
+                    <a:lumMod val="75000"/>
+                  </a:schemeClr>
+                </a:solidFill>
+              </a:rPr>
+              <a:t>cảm</a:t>
+            </a:r>
+            <a:r>
+              <a:rPr lang="en-US" sz="7200" b="1" dirty="0" smtClean="0">
+                <a:solidFill>
+                  <a:schemeClr val="tx2">
+                    <a:lumMod val="75000"/>
+                  </a:schemeClr>
+                </a:solidFill>
+              </a:rPr>
+              <a:t> </a:t>
+            </a:r>
+            <a:r>
+              <a:rPr lang="en-US" sz="7200" b="1" dirty="0" err="1" smtClean="0">
+                <a:solidFill>
+                  <a:schemeClr val="tx2">
+                    <a:lumMod val="75000"/>
+                  </a:schemeClr>
+                </a:solidFill>
+              </a:rPr>
+              <a:t>ơn</a:t>
+            </a:r>
+            <a:r>
+              <a:rPr lang="en-US" sz="7200" b="1" dirty="0" smtClean="0">
+                <a:solidFill>
+                  <a:schemeClr val="tx2">
+                    <a:lumMod val="75000"/>
+                  </a:schemeClr>
+                </a:solidFill>
+              </a:rPr>
+              <a:t> !</a:t>
+            </a:r>
+            <a:endParaRPr lang="en-US" sz="7200" b="1" dirty="0">
+              <a:solidFill>
+                <a:schemeClr val="tx2">
+                  <a:lumMod val="75000"/>
+                </a:schemeClr>
+              </a:solidFill>
+            </a:endParaRPr>
           </a:p>
         </p:txBody>
       </p:sp>

--- a/01-Document/Preview.pptx
+++ b/01-Document/Preview.pptx
@@ -203,7 +203,7 @@
           <a:p>
             <a:fld id="{AE5CCC46-59A4-4653-869C-11D959945FD4}" type="datetimeFigureOut">
               <a:rPr lang="en-US" smtClean="0"/>
-              <a:t>8/12/2017</a:t>
+              <a:t>8/19/2017</a:t>
             </a:fld>
             <a:endParaRPr lang="en-US"/>
           </a:p>
@@ -368,7 +368,7 @@
           <a:p>
             <a:fld id="{6C92BCEE-162F-4F7A-B718-6C46A833144F}" type="datetimeFigureOut">
               <a:rPr lang="en-US" smtClean="0"/>
-              <a:t>8/12/2017</a:t>
+              <a:t>8/19/2017</a:t>
             </a:fld>
             <a:endParaRPr lang="en-US"/>
           </a:p>
@@ -901,7 +901,7 @@
           <a:p>
             <a:fld id="{DCDC5114-4CBE-432C-9917-E7FAEB2ADFB2}" type="datetimeFigureOut">
               <a:rPr lang="en-US" smtClean="0"/>
-              <a:t>8/12/2017</a:t>
+              <a:t>8/19/2017</a:t>
             </a:fld>
             <a:endParaRPr lang="en-US"/>
           </a:p>
@@ -1071,7 +1071,7 @@
           <a:p>
             <a:fld id="{DCDC5114-4CBE-432C-9917-E7FAEB2ADFB2}" type="datetimeFigureOut">
               <a:rPr lang="en-US" smtClean="0"/>
-              <a:t>8/12/2017</a:t>
+              <a:t>8/19/2017</a:t>
             </a:fld>
             <a:endParaRPr lang="en-US"/>
           </a:p>
@@ -1251,7 +1251,7 @@
           <a:p>
             <a:fld id="{DCDC5114-4CBE-432C-9917-E7FAEB2ADFB2}" type="datetimeFigureOut">
               <a:rPr lang="en-US" smtClean="0"/>
-              <a:t>8/12/2017</a:t>
+              <a:t>8/19/2017</a:t>
             </a:fld>
             <a:endParaRPr lang="en-US"/>
           </a:p>
@@ -1421,7 +1421,7 @@
           <a:p>
             <a:fld id="{DCDC5114-4CBE-432C-9917-E7FAEB2ADFB2}" type="datetimeFigureOut">
               <a:rPr lang="en-US" smtClean="0"/>
-              <a:t>8/12/2017</a:t>
+              <a:t>8/19/2017</a:t>
             </a:fld>
             <a:endParaRPr lang="en-US"/>
           </a:p>
@@ -1667,7 +1667,7 @@
           <a:p>
             <a:fld id="{DCDC5114-4CBE-432C-9917-E7FAEB2ADFB2}" type="datetimeFigureOut">
               <a:rPr lang="en-US" smtClean="0"/>
-              <a:t>8/12/2017</a:t>
+              <a:t>8/19/2017</a:t>
             </a:fld>
             <a:endParaRPr lang="en-US"/>
           </a:p>
@@ -1955,7 +1955,7 @@
           <a:p>
             <a:fld id="{DCDC5114-4CBE-432C-9917-E7FAEB2ADFB2}" type="datetimeFigureOut">
               <a:rPr lang="en-US" smtClean="0"/>
-              <a:t>8/12/2017</a:t>
+              <a:t>8/19/2017</a:t>
             </a:fld>
             <a:endParaRPr lang="en-US"/>
           </a:p>
@@ -2377,7 +2377,7 @@
           <a:p>
             <a:fld id="{DCDC5114-4CBE-432C-9917-E7FAEB2ADFB2}" type="datetimeFigureOut">
               <a:rPr lang="en-US" smtClean="0"/>
-              <a:t>8/12/2017</a:t>
+              <a:t>8/19/2017</a:t>
             </a:fld>
             <a:endParaRPr lang="en-US"/>
           </a:p>
@@ -2495,7 +2495,7 @@
           <a:p>
             <a:fld id="{DCDC5114-4CBE-432C-9917-E7FAEB2ADFB2}" type="datetimeFigureOut">
               <a:rPr lang="en-US" smtClean="0"/>
-              <a:t>8/12/2017</a:t>
+              <a:t>8/19/2017</a:t>
             </a:fld>
             <a:endParaRPr lang="en-US"/>
           </a:p>
@@ -2590,7 +2590,7 @@
           <a:p>
             <a:fld id="{DCDC5114-4CBE-432C-9917-E7FAEB2ADFB2}" type="datetimeFigureOut">
               <a:rPr lang="en-US" smtClean="0"/>
-              <a:t>8/12/2017</a:t>
+              <a:t>8/19/2017</a:t>
             </a:fld>
             <a:endParaRPr lang="en-US"/>
           </a:p>
@@ -2867,7 +2867,7 @@
           <a:p>
             <a:fld id="{DCDC5114-4CBE-432C-9917-E7FAEB2ADFB2}" type="datetimeFigureOut">
               <a:rPr lang="en-US" smtClean="0"/>
-              <a:t>8/12/2017</a:t>
+              <a:t>8/19/2017</a:t>
             </a:fld>
             <a:endParaRPr lang="en-US"/>
           </a:p>
@@ -3120,7 +3120,7 @@
           <a:p>
             <a:fld id="{DCDC5114-4CBE-432C-9917-E7FAEB2ADFB2}" type="datetimeFigureOut">
               <a:rPr lang="en-US" smtClean="0"/>
-              <a:t>8/12/2017</a:t>
+              <a:t>8/19/2017</a:t>
             </a:fld>
             <a:endParaRPr lang="en-US"/>
           </a:p>
@@ -3338,7 +3338,7 @@
           <a:p>
             <a:fld id="{DCDC5114-4CBE-432C-9917-E7FAEB2ADFB2}" type="datetimeFigureOut">
               <a:rPr lang="en-US" smtClean="0"/>
-              <a:t>8/12/2017</a:t>
+              <a:t>8/19/2017</a:t>
             </a:fld>
             <a:endParaRPr lang="en-US"/>
           </a:p>
@@ -7770,7 +7770,7 @@
       </p:sp>
       <p:pic>
         <p:nvPicPr>
-          <p:cNvPr id="2" name="Picture 1"/>
+          <p:cNvPr id="6" name="Picture 5"/>
           <p:cNvPicPr>
             <a:picLocks noChangeAspect="1"/>
           </p:cNvPicPr>
@@ -7790,8 +7790,8 @@
         </p:blipFill>
         <p:spPr>
           <a:xfrm>
-            <a:off x="1139060" y="1981200"/>
-            <a:ext cx="1322063" cy="2666999"/>
+            <a:off x="914400" y="1828800"/>
+            <a:ext cx="1522046" cy="3124200"/>
           </a:xfrm>
           <a:prstGeom prst="rect">
             <a:avLst/>
@@ -7800,7 +7800,7 @@
       </p:pic>
       <p:pic>
         <p:nvPicPr>
-          <p:cNvPr id="3" name="Picture 2"/>
+          <p:cNvPr id="10" name="Picture 9"/>
           <p:cNvPicPr>
             <a:picLocks noChangeAspect="1"/>
           </p:cNvPicPr>
@@ -7820,8 +7820,8 @@
         </p:blipFill>
         <p:spPr>
           <a:xfrm>
-            <a:off x="2982063" y="1981199"/>
-            <a:ext cx="1276512" cy="2666999"/>
+            <a:off x="2819400" y="1847194"/>
+            <a:ext cx="1495344" cy="3124200"/>
           </a:xfrm>
           <a:prstGeom prst="rect">
             <a:avLst/>
@@ -7830,7 +7830,7 @@
       </p:pic>
       <p:pic>
         <p:nvPicPr>
-          <p:cNvPr id="7" name="Picture 6"/>
+          <p:cNvPr id="11" name="Picture 10"/>
           <p:cNvPicPr>
             <a:picLocks noChangeAspect="1"/>
           </p:cNvPicPr>
@@ -7850,8 +7850,8 @@
         </p:blipFill>
         <p:spPr>
           <a:xfrm>
-            <a:off x="4953000" y="1995652"/>
-            <a:ext cx="1256706" cy="2652547"/>
+            <a:off x="4800601" y="1828801"/>
+            <a:ext cx="1543408" cy="3124200"/>
           </a:xfrm>
           <a:prstGeom prst="rect">
             <a:avLst/>
@@ -7860,7 +7860,7 @@
       </p:pic>
       <p:pic>
         <p:nvPicPr>
-          <p:cNvPr id="9" name="Picture 8"/>
+          <p:cNvPr id="12" name="Picture 11"/>
           <p:cNvPicPr>
             <a:picLocks noChangeAspect="1"/>
           </p:cNvPicPr>
@@ -7880,8 +7880,8 @@
         </p:blipFill>
         <p:spPr>
           <a:xfrm>
-            <a:off x="6802940" y="1995652"/>
-            <a:ext cx="1306348" cy="2681451"/>
+            <a:off x="6858000" y="1847195"/>
+            <a:ext cx="1495343" cy="3124200"/>
           </a:xfrm>
           <a:prstGeom prst="rect">
             <a:avLst/>
@@ -7919,7 +7919,7 @@
                             </p:stCondLst>
                             <p:childTnLst>
                               <p:par>
-                                <p:cTn id="5" presetID="42" presetClass="entr" presetSubtype="0" fill="hold" nodeType="clickEffect">
+                                <p:cTn id="5" presetID="10" presetClass="entr" presetSubtype="0" fill="hold" nodeType="clickEffect">
                                   <p:stCondLst>
                                     <p:cond delay="0"/>
                                   </p:stCondLst>
@@ -7932,7 +7932,7 @@
                                           </p:stCondLst>
                                         </p:cTn>
                                         <p:tgtEl>
-                                          <p:spTgt spid="2"/>
+                                          <p:spTgt spid="6"/>
                                         </p:tgtEl>
                                         <p:attrNameLst>
                                           <p:attrName>style.visibility</p:attrName>
@@ -7944,58 +7944,12 @@
                                     </p:set>
                                     <p:animEffect transition="in" filter="fade">
                                       <p:cBhvr>
-                                        <p:cTn id="7" dur="750"/>
+                                        <p:cTn id="7" dur="2000"/>
                                         <p:tgtEl>
-                                          <p:spTgt spid="2"/>
+                                          <p:spTgt spid="6"/>
                                         </p:tgtEl>
                                       </p:cBhvr>
                                     </p:animEffect>
-                                    <p:anim calcmode="lin" valueType="num">
-                                      <p:cBhvr>
-                                        <p:cTn id="8" dur="750" fill="hold"/>
-                                        <p:tgtEl>
-                                          <p:spTgt spid="2"/>
-                                        </p:tgtEl>
-                                        <p:attrNameLst>
-                                          <p:attrName>ppt_x</p:attrName>
-                                        </p:attrNameLst>
-                                      </p:cBhvr>
-                                      <p:tavLst>
-                                        <p:tav tm="0">
-                                          <p:val>
-                                            <p:strVal val="#ppt_x"/>
-                                          </p:val>
-                                        </p:tav>
-                                        <p:tav tm="100000">
-                                          <p:val>
-                                            <p:strVal val="#ppt_x"/>
-                                          </p:val>
-                                        </p:tav>
-                                      </p:tavLst>
-                                    </p:anim>
-                                    <p:anim calcmode="lin" valueType="num">
-                                      <p:cBhvr>
-                                        <p:cTn id="9" dur="750" fill="hold"/>
-                                        <p:tgtEl>
-                                          <p:spTgt spid="2"/>
-                                        </p:tgtEl>
-                                        <p:attrNameLst>
-                                          <p:attrName>ppt_y</p:attrName>
-                                        </p:attrNameLst>
-                                      </p:cBhvr>
-                                      <p:tavLst>
-                                        <p:tav tm="0">
-                                          <p:val>
-                                            <p:strVal val="#ppt_y+.1"/>
-                                          </p:val>
-                                        </p:tav>
-                                        <p:tav tm="100000">
-                                          <p:val>
-                                            <p:strVal val="#ppt_y"/>
-                                          </p:val>
-                                        </p:tav>
-                                      </p:tavLst>
-                                    </p:anim>
                                   </p:childTnLst>
                                 </p:cTn>
                               </p:par>
@@ -8006,32 +7960,32 @@
                     </p:cTn>
                   </p:par>
                   <p:par>
-                    <p:cTn id="10" fill="hold">
+                    <p:cTn id="8" fill="hold">
                       <p:stCondLst>
                         <p:cond delay="indefinite"/>
                       </p:stCondLst>
                       <p:childTnLst>
                         <p:par>
-                          <p:cTn id="11" fill="hold">
+                          <p:cTn id="9" fill="hold">
                             <p:stCondLst>
                               <p:cond delay="0"/>
                             </p:stCondLst>
                             <p:childTnLst>
                               <p:par>
-                                <p:cTn id="12" presetID="42" presetClass="entr" presetSubtype="0" fill="hold" nodeType="clickEffect">
+                                <p:cTn id="10" presetID="10" presetClass="entr" presetSubtype="0" fill="hold" nodeType="clickEffect">
                                   <p:stCondLst>
                                     <p:cond delay="0"/>
                                   </p:stCondLst>
                                   <p:childTnLst>
                                     <p:set>
                                       <p:cBhvr>
-                                        <p:cTn id="13" dur="1" fill="hold">
+                                        <p:cTn id="11" dur="1" fill="hold">
                                           <p:stCondLst>
                                             <p:cond delay="0"/>
                                           </p:stCondLst>
                                         </p:cTn>
                                         <p:tgtEl>
-                                          <p:spTgt spid="3"/>
+                                          <p:spTgt spid="10"/>
                                         </p:tgtEl>
                                         <p:attrNameLst>
                                           <p:attrName>style.visibility</p:attrName>
@@ -8043,58 +7997,12 @@
                                     </p:set>
                                     <p:animEffect transition="in" filter="fade">
                                       <p:cBhvr>
-                                        <p:cTn id="14" dur="750"/>
+                                        <p:cTn id="12" dur="2000"/>
                                         <p:tgtEl>
-                                          <p:spTgt spid="3"/>
+                                          <p:spTgt spid="10"/>
                                         </p:tgtEl>
                                       </p:cBhvr>
                                     </p:animEffect>
-                                    <p:anim calcmode="lin" valueType="num">
-                                      <p:cBhvr>
-                                        <p:cTn id="15" dur="750" fill="hold"/>
-                                        <p:tgtEl>
-                                          <p:spTgt spid="3"/>
-                                        </p:tgtEl>
-                                        <p:attrNameLst>
-                                          <p:attrName>ppt_x</p:attrName>
-                                        </p:attrNameLst>
-                                      </p:cBhvr>
-                                      <p:tavLst>
-                                        <p:tav tm="0">
-                                          <p:val>
-                                            <p:strVal val="#ppt_x"/>
-                                          </p:val>
-                                        </p:tav>
-                                        <p:tav tm="100000">
-                                          <p:val>
-                                            <p:strVal val="#ppt_x"/>
-                                          </p:val>
-                                        </p:tav>
-                                      </p:tavLst>
-                                    </p:anim>
-                                    <p:anim calcmode="lin" valueType="num">
-                                      <p:cBhvr>
-                                        <p:cTn id="16" dur="750" fill="hold"/>
-                                        <p:tgtEl>
-                                          <p:spTgt spid="3"/>
-                                        </p:tgtEl>
-                                        <p:attrNameLst>
-                                          <p:attrName>ppt_y</p:attrName>
-                                        </p:attrNameLst>
-                                      </p:cBhvr>
-                                      <p:tavLst>
-                                        <p:tav tm="0">
-                                          <p:val>
-                                            <p:strVal val="#ppt_y+.1"/>
-                                          </p:val>
-                                        </p:tav>
-                                        <p:tav tm="100000">
-                                          <p:val>
-                                            <p:strVal val="#ppt_y"/>
-                                          </p:val>
-                                        </p:tav>
-                                      </p:tavLst>
-                                    </p:anim>
                                   </p:childTnLst>
                                 </p:cTn>
                               </p:par>
@@ -8105,32 +8013,32 @@
                     </p:cTn>
                   </p:par>
                   <p:par>
-                    <p:cTn id="17" fill="hold">
+                    <p:cTn id="13" fill="hold">
                       <p:stCondLst>
                         <p:cond delay="indefinite"/>
                       </p:stCondLst>
                       <p:childTnLst>
                         <p:par>
-                          <p:cTn id="18" fill="hold">
+                          <p:cTn id="14" fill="hold">
                             <p:stCondLst>
                               <p:cond delay="0"/>
                             </p:stCondLst>
                             <p:childTnLst>
                               <p:par>
-                                <p:cTn id="19" presetID="42" presetClass="entr" presetSubtype="0" fill="hold" nodeType="clickEffect">
+                                <p:cTn id="15" presetID="10" presetClass="entr" presetSubtype="0" fill="hold" nodeType="clickEffect">
                                   <p:stCondLst>
                                     <p:cond delay="0"/>
                                   </p:stCondLst>
                                   <p:childTnLst>
                                     <p:set>
                                       <p:cBhvr>
-                                        <p:cTn id="20" dur="1" fill="hold">
+                                        <p:cTn id="16" dur="1" fill="hold">
                                           <p:stCondLst>
                                             <p:cond delay="0"/>
                                           </p:stCondLst>
                                         </p:cTn>
                                         <p:tgtEl>
-                                          <p:spTgt spid="7"/>
+                                          <p:spTgt spid="11"/>
                                         </p:tgtEl>
                                         <p:attrNameLst>
                                           <p:attrName>style.visibility</p:attrName>
@@ -8142,58 +8050,12 @@
                                     </p:set>
                                     <p:animEffect transition="in" filter="fade">
                                       <p:cBhvr>
-                                        <p:cTn id="21" dur="750"/>
+                                        <p:cTn id="17" dur="2000"/>
                                         <p:tgtEl>
-                                          <p:spTgt spid="7"/>
+                                          <p:spTgt spid="11"/>
                                         </p:tgtEl>
                                       </p:cBhvr>
                                     </p:animEffect>
-                                    <p:anim calcmode="lin" valueType="num">
-                                      <p:cBhvr>
-                                        <p:cTn id="22" dur="750" fill="hold"/>
-                                        <p:tgtEl>
-                                          <p:spTgt spid="7"/>
-                                        </p:tgtEl>
-                                        <p:attrNameLst>
-                                          <p:attrName>ppt_x</p:attrName>
-                                        </p:attrNameLst>
-                                      </p:cBhvr>
-                                      <p:tavLst>
-                                        <p:tav tm="0">
-                                          <p:val>
-                                            <p:strVal val="#ppt_x"/>
-                                          </p:val>
-                                        </p:tav>
-                                        <p:tav tm="100000">
-                                          <p:val>
-                                            <p:strVal val="#ppt_x"/>
-                                          </p:val>
-                                        </p:tav>
-                                      </p:tavLst>
-                                    </p:anim>
-                                    <p:anim calcmode="lin" valueType="num">
-                                      <p:cBhvr>
-                                        <p:cTn id="23" dur="750" fill="hold"/>
-                                        <p:tgtEl>
-                                          <p:spTgt spid="7"/>
-                                        </p:tgtEl>
-                                        <p:attrNameLst>
-                                          <p:attrName>ppt_y</p:attrName>
-                                        </p:attrNameLst>
-                                      </p:cBhvr>
-                                      <p:tavLst>
-                                        <p:tav tm="0">
-                                          <p:val>
-                                            <p:strVal val="#ppt_y+.1"/>
-                                          </p:val>
-                                        </p:tav>
-                                        <p:tav tm="100000">
-                                          <p:val>
-                                            <p:strVal val="#ppt_y"/>
-                                          </p:val>
-                                        </p:tav>
-                                      </p:tavLst>
-                                    </p:anim>
                                   </p:childTnLst>
                                 </p:cTn>
                               </p:par>
@@ -8204,32 +8066,32 @@
                     </p:cTn>
                   </p:par>
                   <p:par>
-                    <p:cTn id="24" fill="hold">
+                    <p:cTn id="18" fill="hold">
                       <p:stCondLst>
                         <p:cond delay="indefinite"/>
                       </p:stCondLst>
                       <p:childTnLst>
                         <p:par>
-                          <p:cTn id="25" fill="hold">
+                          <p:cTn id="19" fill="hold">
                             <p:stCondLst>
                               <p:cond delay="0"/>
                             </p:stCondLst>
                             <p:childTnLst>
                               <p:par>
-                                <p:cTn id="26" presetID="42" presetClass="entr" presetSubtype="0" fill="hold" nodeType="clickEffect">
+                                <p:cTn id="20" presetID="1" presetClass="entr" presetSubtype="0" fill="hold" nodeType="clickEffect">
                                   <p:stCondLst>
                                     <p:cond delay="0"/>
                                   </p:stCondLst>
                                   <p:childTnLst>
                                     <p:set>
                                       <p:cBhvr>
-                                        <p:cTn id="27" dur="1" fill="hold">
+                                        <p:cTn id="21" dur="1" fill="hold">
                                           <p:stCondLst>
-                                            <p:cond delay="0"/>
+                                            <p:cond delay="1999"/>
                                           </p:stCondLst>
                                         </p:cTn>
                                         <p:tgtEl>
-                                          <p:spTgt spid="9"/>
+                                          <p:spTgt spid="12"/>
                                         </p:tgtEl>
                                         <p:attrNameLst>
                                           <p:attrName>style.visibility</p:attrName>
@@ -8239,60 +8101,6 @@
                                         <p:strVal val="visible"/>
                                       </p:to>
                                     </p:set>
-                                    <p:animEffect transition="in" filter="fade">
-                                      <p:cBhvr>
-                                        <p:cTn id="28" dur="750"/>
-                                        <p:tgtEl>
-                                          <p:spTgt spid="9"/>
-                                        </p:tgtEl>
-                                      </p:cBhvr>
-                                    </p:animEffect>
-                                    <p:anim calcmode="lin" valueType="num">
-                                      <p:cBhvr>
-                                        <p:cTn id="29" dur="750" fill="hold"/>
-                                        <p:tgtEl>
-                                          <p:spTgt spid="9"/>
-                                        </p:tgtEl>
-                                        <p:attrNameLst>
-                                          <p:attrName>ppt_x</p:attrName>
-                                        </p:attrNameLst>
-                                      </p:cBhvr>
-                                      <p:tavLst>
-                                        <p:tav tm="0">
-                                          <p:val>
-                                            <p:strVal val="#ppt_x"/>
-                                          </p:val>
-                                        </p:tav>
-                                        <p:tav tm="100000">
-                                          <p:val>
-                                            <p:strVal val="#ppt_x"/>
-                                          </p:val>
-                                        </p:tav>
-                                      </p:tavLst>
-                                    </p:anim>
-                                    <p:anim calcmode="lin" valueType="num">
-                                      <p:cBhvr>
-                                        <p:cTn id="30" dur="750" fill="hold"/>
-                                        <p:tgtEl>
-                                          <p:spTgt spid="9"/>
-                                        </p:tgtEl>
-                                        <p:attrNameLst>
-                                          <p:attrName>ppt_y</p:attrName>
-                                        </p:attrNameLst>
-                                      </p:cBhvr>
-                                      <p:tavLst>
-                                        <p:tav tm="0">
-                                          <p:val>
-                                            <p:strVal val="#ppt_y+.1"/>
-                                          </p:val>
-                                        </p:tav>
-                                        <p:tav tm="100000">
-                                          <p:val>
-                                            <p:strVal val="#ppt_y"/>
-                                          </p:val>
-                                        </p:tav>
-                                      </p:tavLst>
-                                    </p:anim>
                                   </p:childTnLst>
                                 </p:cTn>
                               </p:par>
@@ -8640,7 +8448,7 @@
       </p:sp>
       <p:pic>
         <p:nvPicPr>
-          <p:cNvPr id="6" name="Picture 5"/>
+          <p:cNvPr id="2" name="Picture 1"/>
           <p:cNvPicPr>
             <a:picLocks noChangeAspect="1"/>
           </p:cNvPicPr>
@@ -8660,8 +8468,8 @@
         </p:blipFill>
         <p:spPr>
           <a:xfrm>
-            <a:off x="1900403" y="1676400"/>
-            <a:ext cx="1653403" cy="3442137"/>
+            <a:off x="4648200" y="1600200"/>
+            <a:ext cx="1602881" cy="3200400"/>
           </a:xfrm>
           <a:prstGeom prst="rect">
             <a:avLst/>
@@ -8670,7 +8478,7 @@
       </p:pic>
       <p:pic>
         <p:nvPicPr>
-          <p:cNvPr id="9" name="Picture 8"/>
+          <p:cNvPr id="3" name="Picture 2"/>
           <p:cNvPicPr>
             <a:picLocks noChangeAspect="1"/>
           </p:cNvPicPr>
@@ -8690,8 +8498,8 @@
         </p:blipFill>
         <p:spPr>
           <a:xfrm>
-            <a:off x="4495799" y="1718302"/>
-            <a:ext cx="1682057" cy="3358332"/>
+            <a:off x="1926679" y="1600200"/>
+            <a:ext cx="1596915" cy="3336412"/>
           </a:xfrm>
           <a:prstGeom prst="rect">
             <a:avLst/>
@@ -8729,7 +8537,7 @@
                             </p:stCondLst>
                             <p:childTnLst>
                               <p:par>
-                                <p:cTn id="5" presetID="42" presetClass="entr" presetSubtype="0" fill="hold" nodeType="clickEffect">
+                                <p:cTn id="5" presetID="10" presetClass="entr" presetSubtype="0" fill="hold" nodeType="clickEffect">
                                   <p:stCondLst>
                                     <p:cond delay="0"/>
                                   </p:stCondLst>
@@ -8742,7 +8550,7 @@
                                           </p:stCondLst>
                                         </p:cTn>
                                         <p:tgtEl>
-                                          <p:spTgt spid="6"/>
+                                          <p:spTgt spid="3"/>
                                         </p:tgtEl>
                                         <p:attrNameLst>
                                           <p:attrName>style.visibility</p:attrName>
@@ -8756,56 +8564,10 @@
                                       <p:cBhvr>
                                         <p:cTn id="7" dur="2000"/>
                                         <p:tgtEl>
-                                          <p:spTgt spid="6"/>
+                                          <p:spTgt spid="3"/>
                                         </p:tgtEl>
                                       </p:cBhvr>
                                     </p:animEffect>
-                                    <p:anim calcmode="lin" valueType="num">
-                                      <p:cBhvr>
-                                        <p:cTn id="8" dur="2000" fill="hold"/>
-                                        <p:tgtEl>
-                                          <p:spTgt spid="6"/>
-                                        </p:tgtEl>
-                                        <p:attrNameLst>
-                                          <p:attrName>ppt_x</p:attrName>
-                                        </p:attrNameLst>
-                                      </p:cBhvr>
-                                      <p:tavLst>
-                                        <p:tav tm="0">
-                                          <p:val>
-                                            <p:strVal val="#ppt_x"/>
-                                          </p:val>
-                                        </p:tav>
-                                        <p:tav tm="100000">
-                                          <p:val>
-                                            <p:strVal val="#ppt_x"/>
-                                          </p:val>
-                                        </p:tav>
-                                      </p:tavLst>
-                                    </p:anim>
-                                    <p:anim calcmode="lin" valueType="num">
-                                      <p:cBhvr>
-                                        <p:cTn id="9" dur="2000" fill="hold"/>
-                                        <p:tgtEl>
-                                          <p:spTgt spid="6"/>
-                                        </p:tgtEl>
-                                        <p:attrNameLst>
-                                          <p:attrName>ppt_y</p:attrName>
-                                        </p:attrNameLst>
-                                      </p:cBhvr>
-                                      <p:tavLst>
-                                        <p:tav tm="0">
-                                          <p:val>
-                                            <p:strVal val="#ppt_y+.1"/>
-                                          </p:val>
-                                        </p:tav>
-                                        <p:tav tm="100000">
-                                          <p:val>
-                                            <p:strVal val="#ppt_y"/>
-                                          </p:val>
-                                        </p:tav>
-                                      </p:tavLst>
-                                    </p:anim>
                                   </p:childTnLst>
                                 </p:cTn>
                               </p:par>
@@ -8816,32 +8578,32 @@
                     </p:cTn>
                   </p:par>
                   <p:par>
-                    <p:cTn id="10" fill="hold">
+                    <p:cTn id="8" fill="hold">
                       <p:stCondLst>
                         <p:cond delay="indefinite"/>
                       </p:stCondLst>
                       <p:childTnLst>
                         <p:par>
-                          <p:cTn id="11" fill="hold">
+                          <p:cTn id="9" fill="hold">
                             <p:stCondLst>
                               <p:cond delay="0"/>
                             </p:stCondLst>
                             <p:childTnLst>
                               <p:par>
-                                <p:cTn id="12" presetID="42" presetClass="entr" presetSubtype="0" fill="hold" nodeType="clickEffect">
+                                <p:cTn id="10" presetID="10" presetClass="entr" presetSubtype="0" fill="hold" nodeType="clickEffect">
                                   <p:stCondLst>
                                     <p:cond delay="0"/>
                                   </p:stCondLst>
                                   <p:childTnLst>
                                     <p:set>
                                       <p:cBhvr>
-                                        <p:cTn id="13" dur="1" fill="hold">
+                                        <p:cTn id="11" dur="1" fill="hold">
                                           <p:stCondLst>
                                             <p:cond delay="0"/>
                                           </p:stCondLst>
                                         </p:cTn>
                                         <p:tgtEl>
-                                          <p:spTgt spid="9"/>
+                                          <p:spTgt spid="2"/>
                                         </p:tgtEl>
                                         <p:attrNameLst>
                                           <p:attrName>style.visibility</p:attrName>
@@ -8853,58 +8615,12 @@
                                     </p:set>
                                     <p:animEffect transition="in" filter="fade">
                                       <p:cBhvr>
-                                        <p:cTn id="14" dur="2000"/>
+                                        <p:cTn id="12" dur="2000"/>
                                         <p:tgtEl>
-                                          <p:spTgt spid="9"/>
+                                          <p:spTgt spid="2"/>
                                         </p:tgtEl>
                                       </p:cBhvr>
                                     </p:animEffect>
-                                    <p:anim calcmode="lin" valueType="num">
-                                      <p:cBhvr>
-                                        <p:cTn id="15" dur="2000" fill="hold"/>
-                                        <p:tgtEl>
-                                          <p:spTgt spid="9"/>
-                                        </p:tgtEl>
-                                        <p:attrNameLst>
-                                          <p:attrName>ppt_x</p:attrName>
-                                        </p:attrNameLst>
-                                      </p:cBhvr>
-                                      <p:tavLst>
-                                        <p:tav tm="0">
-                                          <p:val>
-                                            <p:strVal val="#ppt_x"/>
-                                          </p:val>
-                                        </p:tav>
-                                        <p:tav tm="100000">
-                                          <p:val>
-                                            <p:strVal val="#ppt_x"/>
-                                          </p:val>
-                                        </p:tav>
-                                      </p:tavLst>
-                                    </p:anim>
-                                    <p:anim calcmode="lin" valueType="num">
-                                      <p:cBhvr>
-                                        <p:cTn id="16" dur="2000" fill="hold"/>
-                                        <p:tgtEl>
-                                          <p:spTgt spid="9"/>
-                                        </p:tgtEl>
-                                        <p:attrNameLst>
-                                          <p:attrName>ppt_y</p:attrName>
-                                        </p:attrNameLst>
-                                      </p:cBhvr>
-                                      <p:tavLst>
-                                        <p:tav tm="0">
-                                          <p:val>
-                                            <p:strVal val="#ppt_y+.1"/>
-                                          </p:val>
-                                        </p:tav>
-                                        <p:tav tm="100000">
-                                          <p:val>
-                                            <p:strVal val="#ppt_y"/>
-                                          </p:val>
-                                        </p:tav>
-                                      </p:tavLst>
-                                    </p:anim>
                                   </p:childTnLst>
                                 </p:cTn>
                               </p:par>
@@ -9029,7 +8745,7 @@
         <p:spPr>
           <a:xfrm>
             <a:off x="2362200" y="1752600"/>
-            <a:ext cx="5105400" cy="2308324"/>
+            <a:ext cx="5105400" cy="1200329"/>
           </a:xfrm>
           <a:prstGeom prst="rect">
             <a:avLst/>
@@ -9044,84 +8760,14 @@
           <a:p>
             <a:pPr algn="ctr"/>
             <a:r>
-              <a:rPr lang="en-US" sz="7200" b="1" dirty="0" err="1" smtClean="0">
+              <a:rPr lang="en-US" sz="7200" b="1" dirty="0" smtClean="0">
                 <a:solidFill>
                   <a:schemeClr val="tx2">
                     <a:lumMod val="75000"/>
                   </a:schemeClr>
                 </a:solidFill>
               </a:rPr>
-              <a:t>Chân</a:t>
-            </a:r>
-            <a:r>
-              <a:rPr lang="en-US" sz="7200" b="1" dirty="0" smtClean="0">
-                <a:solidFill>
-                  <a:schemeClr val="tx2">
-                    <a:lumMod val="75000"/>
-                  </a:schemeClr>
-                </a:solidFill>
-              </a:rPr>
-              <a:t> </a:t>
-            </a:r>
-            <a:r>
-              <a:rPr lang="en-US" sz="7200" b="1" dirty="0" err="1" smtClean="0">
-                <a:solidFill>
-                  <a:schemeClr val="tx2">
-                    <a:lumMod val="75000"/>
-                  </a:schemeClr>
-                </a:solidFill>
-              </a:rPr>
-              <a:t>thành</a:t>
-            </a:r>
-            <a:r>
-              <a:rPr lang="en-US" sz="7200" b="1" dirty="0" smtClean="0">
-                <a:solidFill>
-                  <a:schemeClr val="tx2">
-                    <a:lumMod val="75000"/>
-                  </a:schemeClr>
-                </a:solidFill>
-              </a:rPr>
-              <a:t> </a:t>
-            </a:r>
-            <a:r>
-              <a:rPr lang="en-US" sz="7200" b="1" dirty="0" err="1" smtClean="0">
-                <a:solidFill>
-                  <a:schemeClr val="tx2">
-                    <a:lumMod val="75000"/>
-                  </a:schemeClr>
-                </a:solidFill>
-              </a:rPr>
-              <a:t>cảm</a:t>
-            </a:r>
-            <a:r>
-              <a:rPr lang="en-US" sz="7200" b="1" dirty="0" smtClean="0">
-                <a:solidFill>
-                  <a:schemeClr val="tx2">
-                    <a:lumMod val="75000"/>
-                  </a:schemeClr>
-                </a:solidFill>
-              </a:rPr>
-              <a:t> </a:t>
-            </a:r>
-            <a:r>
-              <a:rPr lang="en-US" sz="7200" b="1" dirty="0" err="1" smtClean="0">
-                <a:solidFill>
-                  <a:schemeClr val="tx2">
-                    <a:lumMod val="75000"/>
-                  </a:schemeClr>
-                </a:solidFill>
-              </a:rPr>
-              <a:t>ơn</a:t>
-            </a:r>
-            <a:r>
-              <a:rPr lang="en-US" sz="7200" b="1" dirty="0" smtClean="0">
-                <a:solidFill>
-                  <a:schemeClr val="tx2">
-                    <a:lumMod val="75000"/>
-                  </a:schemeClr>
-                </a:solidFill>
-              </a:rPr>
-              <a:t> !</a:t>
+              <a:t>Review App!</a:t>
             </a:r>
             <a:endParaRPr lang="en-US" sz="7200" b="1" dirty="0">
               <a:solidFill>
